--- a/wp/ppts/CSS- Transforms Transitions Animations.pptx
+++ b/wp/ppts/CSS- Transforms Transitions Animations.pptx
@@ -8,30 +8,26 @@
     <p:sldId id="256" r:id="rId5"/>
     <p:sldId id="257" r:id="rId6"/>
     <p:sldId id="258" r:id="rId7"/>
-    <p:sldId id="259" r:id="rId8"/>
-    <p:sldId id="260" r:id="rId9"/>
-    <p:sldId id="261" r:id="rId10"/>
-    <p:sldId id="262" r:id="rId11"/>
-    <p:sldId id="263" r:id="rId12"/>
-    <p:sldId id="280" r:id="rId13"/>
-    <p:sldId id="266" r:id="rId14"/>
-    <p:sldId id="267" r:id="rId15"/>
-    <p:sldId id="268" r:id="rId16"/>
-    <p:sldId id="269" r:id="rId17"/>
-    <p:sldId id="270" r:id="rId18"/>
-    <p:sldId id="271" r:id="rId19"/>
-    <p:sldId id="272" r:id="rId20"/>
-    <p:sldId id="273" r:id="rId21"/>
-    <p:sldId id="274" r:id="rId22"/>
-    <p:sldId id="279" r:id="rId23"/>
-    <p:sldId id="275" r:id="rId24"/>
-    <p:sldId id="276" r:id="rId25"/>
-    <p:sldId id="277" r:id="rId26"/>
-    <p:sldId id="278" r:id="rId27"/>
-    <p:sldId id="281" r:id="rId28"/>
-    <p:sldId id="282" r:id="rId29"/>
-    <p:sldId id="283" r:id="rId30"/>
-    <p:sldId id="284" r:id="rId31"/>
+    <p:sldId id="263" r:id="rId8"/>
+    <p:sldId id="280" r:id="rId9"/>
+    <p:sldId id="266" r:id="rId10"/>
+    <p:sldId id="267" r:id="rId11"/>
+    <p:sldId id="268" r:id="rId12"/>
+    <p:sldId id="269" r:id="rId13"/>
+    <p:sldId id="270" r:id="rId14"/>
+    <p:sldId id="271" r:id="rId15"/>
+    <p:sldId id="272" r:id="rId16"/>
+    <p:sldId id="273" r:id="rId17"/>
+    <p:sldId id="274" r:id="rId18"/>
+    <p:sldId id="279" r:id="rId19"/>
+    <p:sldId id="275" r:id="rId20"/>
+    <p:sldId id="276" r:id="rId21"/>
+    <p:sldId id="277" r:id="rId22"/>
+    <p:sldId id="278" r:id="rId23"/>
+    <p:sldId id="281" r:id="rId24"/>
+    <p:sldId id="282" r:id="rId25"/>
+    <p:sldId id="283" r:id="rId26"/>
+    <p:sldId id="284" r:id="rId27"/>
   </p:sldIdLst>
   <p:sldSz cx="12192000" cy="6858000"/>
   <p:notesSz cx="6858000" cy="9144000"/>
@@ -153,12 +149,50 @@
 <p1510:revInfo xmlns:a="http://schemas.openxmlformats.org/drawingml/2006/main" xmlns:r="http://schemas.openxmlformats.org/officeDocument/2006/relationships" xmlns:p1510="http://schemas.microsoft.com/office/powerpoint/2015/10/main">
   <p1510:revLst>
     <p1510:client id="{33A5949F-0095-4EF5-A1C1-795B34A0096E}" v="2" dt="2020-08-07T10:52:15.901"/>
+    <p1510:client id="{E997CBDF-9631-4D63-BCDD-E5565D0F0FAF}" v="4" dt="2020-08-10T08:55:16.353"/>
   </p1510:revLst>
 </p1510:revInfo>
 </file>
 
 <file path=ppt/changesInfos/changesInfo1.xml><?xml version="1.0" encoding="utf-8"?>
 <pc:chgInfo xmlns:a="http://schemas.openxmlformats.org/drawingml/2006/main" xmlns:r="http://schemas.openxmlformats.org/officeDocument/2006/relationships" xmlns:ac="http://schemas.microsoft.com/office/drawing/2013/main/command" xmlns:pc="http://schemas.microsoft.com/office/powerpoint/2013/main/command">
+  <pc:docChgLst>
+    <pc:chgData name="VALLABHI DOSHI" userId="S::vallabhi.doshi@svkmmumbai.onmicrosoft.com::57aa7f98-c0aa-4786-82aa-fbc2143b1970" providerId="AD" clId="Web-{E997CBDF-9631-4D63-BCDD-E5565D0F0FAF}"/>
+    <pc:docChg chg="delSld">
+      <pc:chgData name="VALLABHI DOSHI" userId="S::vallabhi.doshi@svkmmumbai.onmicrosoft.com::57aa7f98-c0aa-4786-82aa-fbc2143b1970" providerId="AD" clId="Web-{E997CBDF-9631-4D63-BCDD-E5565D0F0FAF}" dt="2020-08-10T08:55:16.353" v="3"/>
+      <pc:docMkLst>
+        <pc:docMk/>
+      </pc:docMkLst>
+      <pc:sldChg chg="del">
+        <pc:chgData name="VALLABHI DOSHI" userId="S::vallabhi.doshi@svkmmumbai.onmicrosoft.com::57aa7f98-c0aa-4786-82aa-fbc2143b1970" providerId="AD" clId="Web-{E997CBDF-9631-4D63-BCDD-E5565D0F0FAF}" dt="2020-08-10T08:55:12.791" v="0"/>
+        <pc:sldMkLst>
+          <pc:docMk/>
+          <pc:sldMk cId="2139246538" sldId="259"/>
+        </pc:sldMkLst>
+      </pc:sldChg>
+      <pc:sldChg chg="del">
+        <pc:chgData name="VALLABHI DOSHI" userId="S::vallabhi.doshi@svkmmumbai.onmicrosoft.com::57aa7f98-c0aa-4786-82aa-fbc2143b1970" providerId="AD" clId="Web-{E997CBDF-9631-4D63-BCDD-E5565D0F0FAF}" dt="2020-08-10T08:55:14.447" v="1"/>
+        <pc:sldMkLst>
+          <pc:docMk/>
+          <pc:sldMk cId="812352756" sldId="260"/>
+        </pc:sldMkLst>
+      </pc:sldChg>
+      <pc:sldChg chg="del">
+        <pc:chgData name="VALLABHI DOSHI" userId="S::vallabhi.doshi@svkmmumbai.onmicrosoft.com::57aa7f98-c0aa-4786-82aa-fbc2143b1970" providerId="AD" clId="Web-{E997CBDF-9631-4D63-BCDD-E5565D0F0FAF}" dt="2020-08-10T08:55:15.447" v="2"/>
+        <pc:sldMkLst>
+          <pc:docMk/>
+          <pc:sldMk cId="3272833205" sldId="261"/>
+        </pc:sldMkLst>
+      </pc:sldChg>
+      <pc:sldChg chg="del">
+        <pc:chgData name="VALLABHI DOSHI" userId="S::vallabhi.doshi@svkmmumbai.onmicrosoft.com::57aa7f98-c0aa-4786-82aa-fbc2143b1970" providerId="AD" clId="Web-{E997CBDF-9631-4D63-BCDD-E5565D0F0FAF}" dt="2020-08-10T08:55:16.353" v="3"/>
+        <pc:sldMkLst>
+          <pc:docMk/>
+          <pc:sldMk cId="2341986829" sldId="262"/>
+        </pc:sldMkLst>
+      </pc:sldChg>
+    </pc:docChg>
+  </pc:docChgLst>
   <pc:docChgLst>
     <pc:chgData name="MUSKAAN BERIWAL" userId="S::muskaan.beriwal@svkmmumbai.onmicrosoft.com::71c27ed0-026d-4c41-858f-c0cc419fa990" providerId="AD" clId="Web-{33A5949F-0095-4EF5-A1C1-795B34A0096E}"/>
     <pc:docChg chg="sldOrd">
@@ -908,7 +942,7 @@
             <a:fld id="{B61BEF0D-F0BB-DE4B-95CE-6DB70DBA9567}" type="datetimeFigureOut">
               <a:rPr lang="en-US" dirty="0"/>
               <a:pPr/>
-              <a:t>8/7/2020</a:t>
+              <a:t>8/10/2020</a:t>
             </a:fld>
             <a:endParaRPr lang="en-US" dirty="0"/>
           </a:p>
@@ -1156,7 +1190,7 @@
             <a:fld id="{B61BEF0D-F0BB-DE4B-95CE-6DB70DBA9567}" type="datetimeFigureOut">
               <a:rPr lang="en-US" dirty="0"/>
               <a:pPr/>
-              <a:t>8/7/2020</a:t>
+              <a:t>8/10/2020</a:t>
             </a:fld>
             <a:endParaRPr lang="en-US" dirty="0"/>
           </a:p>
@@ -1467,7 +1501,7 @@
             <a:fld id="{B61BEF0D-F0BB-DE4B-95CE-6DB70DBA9567}" type="datetimeFigureOut">
               <a:rPr lang="en-US" dirty="0"/>
               <a:pPr/>
-              <a:t>8/7/2020</a:t>
+              <a:t>8/10/2020</a:t>
             </a:fld>
             <a:endParaRPr lang="en-US" dirty="0"/>
           </a:p>
@@ -1805,7 +1839,7 @@
             <a:fld id="{B61BEF0D-F0BB-DE4B-95CE-6DB70DBA9567}" type="datetimeFigureOut">
               <a:rPr lang="en-US" dirty="0"/>
               <a:pPr/>
-              <a:t>8/7/2020</a:t>
+              <a:t>8/10/2020</a:t>
             </a:fld>
             <a:endParaRPr lang="en-US" dirty="0"/>
           </a:p>
@@ -2116,7 +2150,7 @@
             <a:fld id="{B61BEF0D-F0BB-DE4B-95CE-6DB70DBA9567}" type="datetimeFigureOut">
               <a:rPr lang="en-US" dirty="0"/>
               <a:pPr/>
-              <a:t>8/7/2020</a:t>
+              <a:t>8/10/2020</a:t>
             </a:fld>
             <a:endParaRPr lang="en-US" dirty="0"/>
           </a:p>
@@ -2506,7 +2540,7 @@
             <a:fld id="{B61BEF0D-F0BB-DE4B-95CE-6DB70DBA9567}" type="datetimeFigureOut">
               <a:rPr lang="en-US" dirty="0"/>
               <a:pPr/>
-              <a:t>8/7/2020</a:t>
+              <a:t>8/10/2020</a:t>
             </a:fld>
             <a:endParaRPr lang="en-US" dirty="0"/>
           </a:p>
@@ -2673,7 +2707,7 @@
             <a:fld id="{55C6B4A9-1611-4792-9094-5F34BCA07E0B}" type="datetimeFigureOut">
               <a:rPr lang="en-US" dirty="0"/>
               <a:pPr/>
-              <a:t>8/7/2020</a:t>
+              <a:t>8/10/2020</a:t>
             </a:fld>
             <a:endParaRPr lang="en-US" dirty="0"/>
           </a:p>
@@ -2850,7 +2884,7 @@
             <a:fld id="{B61BEF0D-F0BB-DE4B-95CE-6DB70DBA9567}" type="datetimeFigureOut">
               <a:rPr lang="en-US" dirty="0"/>
               <a:pPr/>
-              <a:t>8/7/2020</a:t>
+              <a:t>8/10/2020</a:t>
             </a:fld>
             <a:endParaRPr lang="en-US" dirty="0"/>
           </a:p>
@@ -3023,7 +3057,7 @@
             <a:fld id="{B61BEF0D-F0BB-DE4B-95CE-6DB70DBA9567}" type="datetimeFigureOut">
               <a:rPr lang="en-US" dirty="0"/>
               <a:pPr/>
-              <a:t>8/7/2020</a:t>
+              <a:t>8/10/2020</a:t>
             </a:fld>
             <a:endParaRPr lang="en-US" dirty="0"/>
           </a:p>
@@ -3267,7 +3301,7 @@
             <a:fld id="{B61BEF0D-F0BB-DE4B-95CE-6DB70DBA9567}" type="datetimeFigureOut">
               <a:rPr lang="en-US" dirty="0"/>
               <a:pPr/>
-              <a:t>8/7/2020</a:t>
+              <a:t>8/10/2020</a:t>
             </a:fld>
             <a:endParaRPr lang="en-US" dirty="0"/>
           </a:p>
@@ -3496,7 +3530,7 @@
             <a:fld id="{EB712588-04B1-427B-82EE-E8DB90309F08}" type="datetimeFigureOut">
               <a:rPr lang="en-US" dirty="0"/>
               <a:pPr/>
-              <a:t>8/7/2020</a:t>
+              <a:t>8/10/2020</a:t>
             </a:fld>
             <a:endParaRPr lang="en-US" dirty="0"/>
           </a:p>
@@ -3867,7 +3901,7 @@
             <a:fld id="{B61BEF0D-F0BB-DE4B-95CE-6DB70DBA9567}" type="datetimeFigureOut">
               <a:rPr lang="en-US" dirty="0"/>
               <a:pPr/>
-              <a:t>8/7/2020</a:t>
+              <a:t>8/10/2020</a:t>
             </a:fld>
             <a:endParaRPr lang="en-US" dirty="0"/>
           </a:p>
@@ -3987,7 +4021,7 @@
             <a:fld id="{B61BEF0D-F0BB-DE4B-95CE-6DB70DBA9567}" type="datetimeFigureOut">
               <a:rPr lang="en-US" dirty="0"/>
               <a:pPr/>
-              <a:t>8/7/2020</a:t>
+              <a:t>8/10/2020</a:t>
             </a:fld>
             <a:endParaRPr lang="en-US" dirty="0"/>
           </a:p>
@@ -4079,7 +4113,7 @@
             <a:fld id="{B61BEF0D-F0BB-DE4B-95CE-6DB70DBA9567}" type="datetimeFigureOut">
               <a:rPr lang="en-US" dirty="0"/>
               <a:pPr/>
-              <a:t>8/7/2020</a:t>
+              <a:t>8/10/2020</a:t>
             </a:fld>
             <a:endParaRPr lang="en-US" dirty="0"/>
           </a:p>
@@ -4331,7 +4365,7 @@
             <a:fld id="{42A54C80-263E-416B-A8E0-580EDEADCBDC}" type="datetimeFigureOut">
               <a:rPr lang="en-US" dirty="0"/>
               <a:pPr/>
-              <a:t>8/7/2020</a:t>
+              <a:t>8/10/2020</a:t>
             </a:fld>
             <a:endParaRPr lang="en-US" dirty="0"/>
           </a:p>
@@ -4591,7 +4625,7 @@
             <a:fld id="{B61BEF0D-F0BB-DE4B-95CE-6DB70DBA9567}" type="datetimeFigureOut">
               <a:rPr lang="en-US" dirty="0"/>
               <a:pPr/>
-              <a:t>8/7/2020</a:t>
+              <a:t>8/10/2020</a:t>
             </a:fld>
             <a:endParaRPr lang="en-US" dirty="0"/>
           </a:p>
@@ -5331,7 +5365,7 @@
             <a:fld id="{B61BEF0D-F0BB-DE4B-95CE-6DB70DBA9567}" type="datetimeFigureOut">
               <a:rPr lang="en-US" dirty="0"/>
               <a:pPr/>
-              <a:t>8/7/2020</a:t>
+              <a:t>8/10/2020</a:t>
             </a:fld>
             <a:endParaRPr lang="en-US" dirty="0"/>
           </a:p>
@@ -5932,15 +5966,32 @@
             <p:ph type="title"/>
           </p:nvPr>
         </p:nvSpPr>
-        <p:spPr/>
+        <p:spPr>
+          <a:xfrm>
+            <a:off x="604597" y="102755"/>
+            <a:ext cx="8596668" cy="1320800"/>
+          </a:xfrm>
+        </p:spPr>
         <p:txBody>
           <a:bodyPr/>
           <a:lstStyle/>
           <a:p>
             <a:r>
-              <a:rPr lang="en-US" dirty="0"/>
-              <a:t>CSS Transforms</a:t>
-            </a:r>
+              <a:rPr lang="en-US" b="1" dirty="0"/>
+              <a:t>The </a:t>
+            </a:r>
+            <a:r>
+              <a:rPr lang="en-US" b="1" dirty="0" err="1"/>
+              <a:t>skewX</a:t>
+            </a:r>
+            <a:r>
+              <a:rPr lang="en-US" b="1" dirty="0"/>
+              <a:t>() Method</a:t>
+            </a:r>
+            <a:br>
+              <a:rPr lang="en-US" b="1" dirty="0"/>
+            </a:br>
+            <a:endParaRPr lang="en-US" dirty="0"/>
           </a:p>
         </p:txBody>
       </p:sp>
@@ -5956,77 +6007,115 @@
         </p:nvSpPr>
         <p:spPr>
           <a:xfrm>
-            <a:off x="677334" y="1184564"/>
-            <a:ext cx="8596668" cy="5579917"/>
+            <a:off x="677333" y="1423555"/>
+            <a:ext cx="9318721" cy="4617807"/>
           </a:xfrm>
         </p:spPr>
         <p:txBody>
           <a:bodyPr>
-            <a:normAutofit/>
+            <a:normAutofit lnSpcReduction="10000"/>
           </a:bodyPr>
           <a:lstStyle/>
           <a:p>
             <a:r>
               <a:rPr lang="en-US" dirty="0"/>
-              <a:t>CSS transforms allow you to translate, rotate, scale, and skew elements.</a:t>
-            </a:r>
-          </a:p>
-          <a:p>
-            <a:r>
-              <a:rPr lang="en-US" dirty="0"/>
-              <a:t>A transformation is an effect that lets an element change shape, size and position.</a:t>
-            </a:r>
-          </a:p>
-          <a:p>
-            <a:r>
-              <a:rPr lang="en-US" dirty="0"/>
-              <a:t>CSS supports 2D and 3D transformations.</a:t>
-            </a:r>
-          </a:p>
-          <a:p>
-            <a:r>
-              <a:rPr lang="en-US" dirty="0"/>
-              <a:t>following 2D transformation methods:</a:t>
-            </a:r>
-          </a:p>
-          <a:p>
+              <a:t>The </a:t>
+            </a:r>
+            <a:r>
+              <a:rPr lang="en-US" dirty="0" err="1"/>
+              <a:t>skewX</a:t>
+            </a:r>
+            <a:r>
+              <a:rPr lang="en-US" dirty="0"/>
+              <a:t>() method skews an element along the X-axis by the given angle.</a:t>
+            </a:r>
+          </a:p>
+          <a:p>
+            <a:endParaRPr lang="en-US" dirty="0"/>
+          </a:p>
+          <a:p>
+            <a:r>
+              <a:rPr lang="en-US" dirty="0"/>
+              <a:t>The following example skews the &lt;div&gt; element 20 degrees along the X-axis:</a:t>
+            </a:r>
+          </a:p>
+          <a:p>
+            <a:endParaRPr lang="en-US" dirty="0"/>
+          </a:p>
+          <a:p>
+            <a:endParaRPr lang="en-US" dirty="0"/>
+          </a:p>
+          <a:p>
+            <a:r>
+              <a:rPr lang="en-US" dirty="0"/>
+              <a:t>Example</a:t>
+            </a:r>
+          </a:p>
+          <a:p>
+            <a:endParaRPr lang="en-US" dirty="0"/>
+          </a:p>
+          <a:p>
+            <a:r>
+              <a:rPr lang="en-US" dirty="0"/>
+              <a:t> div {</a:t>
+            </a:r>
+          </a:p>
+          <a:p>
+            <a:r>
+              <a:rPr lang="en-US" dirty="0"/>
+              <a:t>     -</a:t>
+            </a:r>
+            <a:r>
+              <a:rPr lang="en-US" dirty="0" err="1"/>
+              <a:t>ms</a:t>
+            </a:r>
+            <a:r>
+              <a:rPr lang="en-US" dirty="0"/>
+              <a:t>-transform: </a:t>
+            </a:r>
+            <a:r>
+              <a:rPr lang="en-US" dirty="0" err="1"/>
+              <a:t>skewX</a:t>
+            </a:r>
+            <a:r>
+              <a:rPr lang="en-US" dirty="0"/>
+              <a:t>(20deg); /* IE 9 */</a:t>
+            </a:r>
+          </a:p>
+          <a:p>
+            <a:r>
+              <a:rPr lang="en-US" dirty="0"/>
+              <a:t>     -</a:t>
+            </a:r>
+            <a:r>
+              <a:rPr lang="en-US" dirty="0" err="1"/>
+              <a:t>webkit</a:t>
+            </a:r>
+            <a:r>
+              <a:rPr lang="en-US" dirty="0"/>
+              <a:t>-transform: </a:t>
+            </a:r>
+            <a:r>
+              <a:rPr lang="en-US" dirty="0" err="1"/>
+              <a:t>skewX</a:t>
+            </a:r>
+            <a:r>
+              <a:rPr lang="en-US" dirty="0"/>
+              <a:t>(20deg); /* Safari */</a:t>
+            </a:r>
+          </a:p>
+          <a:p>
+            <a:r>
+              <a:rPr lang="en-US" dirty="0"/>
+              <a:t>     </a:t>
+            </a:r>
             <a:r>
               <a:rPr lang="en-US" sz="2800" dirty="0">
                 <a:solidFill>
                   <a:srgbClr val="FF0000"/>
                 </a:solidFill>
               </a:rPr>
-              <a:t>•translate()</a:t>
-            </a:r>
-          </a:p>
-          <a:p>
-            <a:r>
-              <a:rPr lang="en-US" sz="2800" dirty="0">
-                <a:solidFill>
-                  <a:srgbClr val="FF0000"/>
-                </a:solidFill>
-              </a:rPr>
-              <a:t>•rotate()</a:t>
-            </a:r>
-          </a:p>
-          <a:p>
-            <a:r>
-              <a:rPr lang="en-US" sz="2800" dirty="0">
-                <a:solidFill>
-                  <a:srgbClr val="FF0000"/>
-                </a:solidFill>
-              </a:rPr>
-              <a:t>•scale()</a:t>
-            </a:r>
-          </a:p>
-          <a:p>
-            <a:r>
-              <a:rPr lang="en-US" sz="2800" dirty="0">
-                <a:solidFill>
-                  <a:srgbClr val="FF0000"/>
-                </a:solidFill>
-              </a:rPr>
-              <a:t>•</a:t>
+              <a:t>transform: </a:t>
             </a:r>
             <a:r>
               <a:rPr lang="en-US" sz="2800" dirty="0" err="1">
@@ -6042,54 +6131,21 @@
                   <a:srgbClr val="FF0000"/>
                 </a:solidFill>
               </a:rPr>
-              <a:t>()</a:t>
-            </a:r>
-          </a:p>
-          <a:p>
-            <a:r>
-              <a:rPr lang="en-US" sz="2800" dirty="0">
-                <a:solidFill>
-                  <a:srgbClr val="FF0000"/>
-                </a:solidFill>
-              </a:rPr>
-              <a:t>•</a:t>
-            </a:r>
-            <a:r>
-              <a:rPr lang="en-US" sz="2800" dirty="0" err="1">
-                <a:solidFill>
-                  <a:srgbClr val="FF0000"/>
-                </a:solidFill>
-              </a:rPr>
-              <a:t>skewY</a:t>
-            </a:r>
-            <a:r>
-              <a:rPr lang="en-US" sz="2800" dirty="0">
-                <a:solidFill>
-                  <a:srgbClr val="FF0000"/>
-                </a:solidFill>
-              </a:rPr>
-              <a:t>()</a:t>
-            </a:r>
-          </a:p>
-          <a:p>
-            <a:r>
-              <a:rPr lang="en-US" sz="2800" dirty="0">
-                <a:solidFill>
-                  <a:srgbClr val="FF0000"/>
-                </a:solidFill>
-              </a:rPr>
-              <a:t>•matrix()</a:t>
-            </a:r>
-          </a:p>
-          <a:p>
-            <a:endParaRPr lang="en-US" dirty="0"/>
+              <a:t>(20deg);</a:t>
+            </a:r>
+          </a:p>
+          <a:p>
+            <a:r>
+              <a:rPr lang="en-US" dirty="0"/>
+              <a:t>} </a:t>
+            </a:r>
           </a:p>
         </p:txBody>
       </p:sp>
     </p:spTree>
     <p:extLst>
       <p:ext uri="{BB962C8B-B14F-4D97-AF65-F5344CB8AC3E}">
-        <p14:creationId xmlns:p14="http://schemas.microsoft.com/office/powerpoint/2010/main" val="1020241927"/>
+        <p14:creationId xmlns:p14="http://schemas.microsoft.com/office/powerpoint/2010/main" val="1693020415"/>
       </p:ext>
     </p:extLst>
   </p:cSld>
@@ -6126,112 +6182,154 @@
             <p:ph type="title"/>
           </p:nvPr>
         </p:nvSpPr>
+        <p:spPr/>
+        <p:txBody>
+          <a:bodyPr/>
+          <a:lstStyle/>
+          <a:p>
+            <a:r>
+              <a:rPr lang="en-US" b="1" dirty="0"/>
+              <a:t>The </a:t>
+            </a:r>
+            <a:r>
+              <a:rPr lang="en-US" b="1" dirty="0" err="1"/>
+              <a:t>skewY</a:t>
+            </a:r>
+            <a:r>
+              <a:rPr lang="en-US" b="1" dirty="0"/>
+              <a:t>() Method</a:t>
+            </a:r>
+            <a:endParaRPr lang="en-US" dirty="0"/>
+          </a:p>
+        </p:txBody>
+      </p:sp>
+      <p:sp>
+        <p:nvSpPr>
+          <p:cNvPr id="3" name="Content Placeholder 2"/>
+          <p:cNvSpPr>
+            <a:spLocks noGrp="1"/>
+          </p:cNvSpPr>
+          <p:nvPr>
+            <p:ph idx="1"/>
+          </p:nvPr>
+        </p:nvSpPr>
         <p:spPr>
           <a:xfrm>
-            <a:off x="677334" y="609600"/>
-            <a:ext cx="8596668" cy="689264"/>
+            <a:off x="677333" y="1381991"/>
+            <a:ext cx="9277157" cy="4659371"/>
           </a:xfrm>
         </p:spPr>
         <p:txBody>
           <a:bodyPr>
-            <a:normAutofit fontScale="90000"/>
+            <a:normAutofit lnSpcReduction="10000"/>
           </a:bodyPr>
           <a:lstStyle/>
           <a:p>
             <a:r>
-              <a:rPr lang="en-US" b="1" dirty="0"/>
-              <a:t>The translate() Method</a:t>
-            </a:r>
-            <a:br>
-              <a:rPr lang="en-US" b="1" dirty="0"/>
-            </a:br>
-            <a:endParaRPr lang="en-US" dirty="0"/>
-          </a:p>
-        </p:txBody>
-      </p:sp>
-      <p:sp>
-        <p:nvSpPr>
-          <p:cNvPr id="3" name="Content Placeholder 2"/>
-          <p:cNvSpPr>
-            <a:spLocks noGrp="1"/>
-          </p:cNvSpPr>
-          <p:nvPr>
-            <p:ph idx="1"/>
-          </p:nvPr>
-        </p:nvSpPr>
-        <p:spPr>
-          <a:xfrm>
-            <a:off x="-72737" y="1298864"/>
-            <a:ext cx="12192000" cy="3880773"/>
-          </a:xfrm>
-        </p:spPr>
-        <p:txBody>
-          <a:bodyPr>
-            <a:normAutofit/>
-          </a:bodyPr>
-          <a:lstStyle/>
-          <a:p>
-            <a:r>
-              <a:rPr lang="en-US" sz="2800" dirty="0"/>
-              <a:t>The translate() method moves an element from its current position (according to the parameters given for the X-axis and the Y-axis).</a:t>
-            </a:r>
-          </a:p>
-          <a:p>
-            <a:r>
-              <a:rPr lang="en-US" sz="2800" dirty="0"/>
-              <a:t>div {</a:t>
-            </a:r>
-            <a:br>
-              <a:rPr lang="en-US" sz="2800" dirty="0"/>
-            </a:br>
-            <a:r>
-              <a:rPr lang="en-US" sz="2800" dirty="0"/>
-              <a:t>    -</a:t>
-            </a:r>
-            <a:r>
-              <a:rPr lang="en-US" sz="2800" dirty="0" err="1"/>
+              <a:rPr lang="en-US" dirty="0"/>
+              <a:t>The </a:t>
+            </a:r>
+            <a:r>
+              <a:rPr lang="en-US" dirty="0" err="1"/>
+              <a:t>skewY</a:t>
+            </a:r>
+            <a:r>
+              <a:rPr lang="en-US" dirty="0"/>
+              <a:t>() method skews an element along the Y-axis by the given angle.</a:t>
+            </a:r>
+          </a:p>
+          <a:p>
+            <a:endParaRPr lang="en-US" dirty="0"/>
+          </a:p>
+          <a:p>
+            <a:r>
+              <a:rPr lang="en-US" dirty="0"/>
+              <a:t>The following example skews the &lt;div&gt; element 20 degrees along the Y-axis:</a:t>
+            </a:r>
+          </a:p>
+          <a:p>
+            <a:endParaRPr lang="en-US" dirty="0"/>
+          </a:p>
+          <a:p>
+            <a:endParaRPr lang="en-US" dirty="0"/>
+          </a:p>
+          <a:p>
+            <a:r>
+              <a:rPr lang="en-US" dirty="0"/>
+              <a:t>Example</a:t>
+            </a:r>
+          </a:p>
+          <a:p>
+            <a:endParaRPr lang="en-US" dirty="0"/>
+          </a:p>
+          <a:p>
+            <a:r>
+              <a:rPr lang="en-US" dirty="0"/>
+              <a:t> div {</a:t>
+            </a:r>
+          </a:p>
+          <a:p>
+            <a:r>
+              <a:rPr lang="en-US" dirty="0"/>
+              <a:t>     -</a:t>
+            </a:r>
+            <a:r>
+              <a:rPr lang="en-US" dirty="0" err="1"/>
               <a:t>ms</a:t>
             </a:r>
             <a:r>
-              <a:rPr lang="en-US" sz="2800" dirty="0"/>
-              <a:t>-transform: translate(50px, 100px); /* IE 9 */</a:t>
-            </a:r>
-            <a:br>
-              <a:rPr lang="en-US" sz="2800" dirty="0"/>
-            </a:br>
-            <a:r>
-              <a:rPr lang="en-US" sz="2800" dirty="0"/>
-              <a:t>    -</a:t>
-            </a:r>
-            <a:r>
-              <a:rPr lang="en-US" sz="2800" dirty="0" err="1"/>
+              <a:rPr lang="en-US" dirty="0"/>
+              <a:t>-transform: </a:t>
+            </a:r>
+            <a:r>
+              <a:rPr lang="en-US" dirty="0" err="1"/>
+              <a:t>skewY</a:t>
+            </a:r>
+            <a:r>
+              <a:rPr lang="en-US" dirty="0"/>
+              <a:t>(20deg); /* IE 9 */</a:t>
+            </a:r>
+          </a:p>
+          <a:p>
+            <a:r>
+              <a:rPr lang="en-US" dirty="0"/>
+              <a:t>     -</a:t>
+            </a:r>
+            <a:r>
+              <a:rPr lang="en-US" dirty="0" err="1"/>
               <a:t>webkit</a:t>
             </a:r>
             <a:r>
-              <a:rPr lang="en-US" sz="2800" dirty="0"/>
-              <a:t>-transform: translate(50px, 100px); /* Safari */</a:t>
-            </a:r>
-            <a:br>
-              <a:rPr lang="en-US" sz="2800" dirty="0"/>
-            </a:br>
-            <a:r>
-              <a:rPr lang="en-US" sz="2800" dirty="0"/>
-              <a:t>    </a:t>
-            </a:r>
-            <a:r>
-              <a:rPr lang="en-US" sz="2800" dirty="0">
-                <a:solidFill>
-                  <a:srgbClr val="FF0000"/>
-                </a:solidFill>
-              </a:rPr>
-              <a:t>transform: translate(50px, 100px);</a:t>
-            </a:r>
-            <a:br>
-              <a:rPr lang="en-US" sz="2800" dirty="0"/>
-            </a:br>
-            <a:r>
-              <a:rPr lang="en-US" sz="2800" dirty="0"/>
-              <a:t>}</a:t>
+              <a:rPr lang="en-US" dirty="0"/>
+              <a:t>-transform: </a:t>
+            </a:r>
+            <a:r>
+              <a:rPr lang="en-US" dirty="0" err="1"/>
+              <a:t>skewY</a:t>
+            </a:r>
+            <a:r>
+              <a:rPr lang="en-US" dirty="0"/>
+              <a:t>(20deg); /* Safari */</a:t>
+            </a:r>
+          </a:p>
+          <a:p>
+            <a:r>
+              <a:rPr lang="en-US" dirty="0"/>
+              <a:t>     transform: </a:t>
+            </a:r>
+            <a:r>
+              <a:rPr lang="en-US" dirty="0" err="1"/>
+              <a:t>skewY</a:t>
+            </a:r>
+            <a:r>
+              <a:rPr lang="en-US" dirty="0"/>
+              <a:t>(20deg);</a:t>
+            </a:r>
+          </a:p>
+          <a:p>
+            <a:r>
+              <a:rPr lang="en-US" dirty="0"/>
+              <a:t>} </a:t>
             </a:r>
           </a:p>
         </p:txBody>
@@ -6239,7 +6337,7 @@
     </p:spTree>
     <p:extLst>
       <p:ext uri="{BB962C8B-B14F-4D97-AF65-F5344CB8AC3E}">
-        <p14:creationId xmlns:p14="http://schemas.microsoft.com/office/powerpoint/2010/main" val="2407403536"/>
+        <p14:creationId xmlns:p14="http://schemas.microsoft.com/office/powerpoint/2010/main" val="880380551"/>
       </p:ext>
     </p:extLst>
   </p:cSld>
@@ -6276,53 +6374,70 @@
             <p:ph type="title"/>
           </p:nvPr>
         </p:nvSpPr>
-        <p:spPr/>
-        <p:txBody>
-          <a:bodyPr/>
-          <a:lstStyle/>
-          <a:p>
-            <a:r>
-              <a:rPr lang="en-US" b="1" dirty="0"/>
-              <a:t>The rotate() Method</a:t>
-            </a:r>
-            <a:endParaRPr lang="en-US" dirty="0"/>
-          </a:p>
-        </p:txBody>
-      </p:sp>
-      <p:sp>
-        <p:nvSpPr>
-          <p:cNvPr id="3" name="Content Placeholder 2"/>
-          <p:cNvSpPr>
-            <a:spLocks noGrp="1"/>
-          </p:cNvSpPr>
-          <p:nvPr>
-            <p:ph idx="1"/>
-          </p:nvPr>
-        </p:nvSpPr>
         <p:spPr>
           <a:xfrm>
-            <a:off x="677334" y="1579419"/>
-            <a:ext cx="9911002" cy="4461944"/>
+            <a:off x="677334" y="609600"/>
+            <a:ext cx="8596668" cy="574964"/>
           </a:xfrm>
         </p:spPr>
         <p:txBody>
           <a:bodyPr>
-            <a:normAutofit fontScale="92500" lnSpcReduction="20000"/>
+            <a:normAutofit fontScale="90000"/>
           </a:bodyPr>
           <a:lstStyle/>
           <a:p>
             <a:r>
               <a:rPr lang="en-US" dirty="0"/>
-              <a:t>The rotate() method rotates an element clockwise or counter-clockwise according to a given degree.</a:t>
-            </a:r>
-          </a:p>
-          <a:p>
-            <a:endParaRPr lang="en-US" dirty="0"/>
-          </a:p>
-          <a:p>
-            <a:r>
-              <a:rPr lang="en-US" dirty="0"/>
-              <a:t>The following example rotates the &lt;div&gt; element clockwise with 20 degrees:</a:t>
+              <a:t>The skew() Method</a:t>
+            </a:r>
+            <a:br>
+              <a:rPr lang="en-US" dirty="0"/>
+            </a:br>
+            <a:r>
+              <a:rPr lang="en-US" dirty="0"/>
+              <a:t> </a:t>
+            </a:r>
+            <a:br>
+              <a:rPr lang="en-US" dirty="0"/>
+            </a:br>
+            <a:endParaRPr lang="en-US" dirty="0"/>
+          </a:p>
+        </p:txBody>
+      </p:sp>
+      <p:sp>
+        <p:nvSpPr>
+          <p:cNvPr id="3" name="Content Placeholder 2"/>
+          <p:cNvSpPr>
+            <a:spLocks noGrp="1"/>
+          </p:cNvSpPr>
+          <p:nvPr>
+            <p:ph idx="1"/>
+          </p:nvPr>
+        </p:nvSpPr>
+        <p:spPr>
+          <a:xfrm>
+            <a:off x="677334" y="1381991"/>
+            <a:ext cx="8596668" cy="4659371"/>
+          </a:xfrm>
+        </p:spPr>
+        <p:txBody>
+          <a:bodyPr>
+            <a:normAutofit fontScale="92500" lnSpcReduction="10000"/>
+          </a:bodyPr>
+          <a:lstStyle/>
+          <a:p>
+            <a:r>
+              <a:rPr lang="en-US" dirty="0"/>
+              <a:t>The skew() method skews an element along the X and Y-axis by the given angles.</a:t>
+            </a:r>
+          </a:p>
+          <a:p>
+            <a:endParaRPr lang="en-US" dirty="0"/>
+          </a:p>
+          <a:p>
+            <a:r>
+              <a:rPr lang="en-US" dirty="0"/>
+              <a:t>The following example skews the &lt;div&gt; element 20 degrees along the X-axis, and 10 degrees along the Y-axis:</a:t>
             </a:r>
           </a:p>
           <a:p>
@@ -6357,7 +6472,7 @@
             </a:r>
             <a:r>
               <a:rPr lang="en-US" dirty="0"/>
-              <a:t>-transform: rotate(20deg); /* IE 9 */</a:t>
+              <a:t>-transform: skew(20deg, 10deg); /* IE 9 */</a:t>
             </a:r>
           </a:p>
           <a:p>
@@ -6371,21 +6486,13 @@
             </a:r>
             <a:r>
               <a:rPr lang="en-US" dirty="0"/>
-              <a:t>-transform: rotate(20deg); /* Safari */</a:t>
-            </a:r>
-          </a:p>
-          <a:p>
-            <a:r>
-              <a:rPr lang="en-US" dirty="0"/>
-              <a:t>     </a:t>
-            </a:r>
-            <a:r>
-              <a:rPr lang="en-US" sz="2600" dirty="0">
-                <a:solidFill>
-                  <a:srgbClr val="FF0000"/>
-                </a:solidFill>
-              </a:rPr>
-              <a:t>transform: rotate(20deg);</a:t>
+              <a:t>-transform: skew(20deg, 10deg); /* Safari */</a:t>
+            </a:r>
+          </a:p>
+          <a:p>
+            <a:r>
+              <a:rPr lang="en-US" dirty="0"/>
+              <a:t>     transform: skew(20deg, 10deg);</a:t>
             </a:r>
           </a:p>
           <a:p>
@@ -6399,7 +6506,7 @@
     </p:spTree>
     <p:extLst>
       <p:ext uri="{BB962C8B-B14F-4D97-AF65-F5344CB8AC3E}">
-        <p14:creationId xmlns:p14="http://schemas.microsoft.com/office/powerpoint/2010/main" val="2438399874"/>
+        <p14:creationId xmlns:p14="http://schemas.microsoft.com/office/powerpoint/2010/main" val="1663213264"/>
       </p:ext>
     </p:extLst>
   </p:cSld>
@@ -6443,8 +6550,11 @@
           <a:p>
             <a:r>
               <a:rPr lang="en-US" b="1" dirty="0"/>
-              <a:t>The scale() Method</a:t>
-            </a:r>
+              <a:t>The matrix() Method</a:t>
+            </a:r>
+            <a:br>
+              <a:rPr lang="en-US" b="1" dirty="0"/>
+            </a:br>
             <a:endParaRPr lang="en-US" dirty="0"/>
           </a:p>
         </p:txBody>
@@ -6461,8 +6571,8 @@
         </p:nvSpPr>
         <p:spPr>
           <a:xfrm>
-            <a:off x="270164" y="1257301"/>
-            <a:ext cx="9003838" cy="4784062"/>
+            <a:off x="677333" y="1330036"/>
+            <a:ext cx="10014911" cy="5413663"/>
           </a:xfrm>
         </p:spPr>
         <p:txBody>
@@ -6473,16 +6583,73 @@
           <a:p>
             <a:r>
               <a:rPr lang="en-US" dirty="0"/>
-              <a:t>The scale() method increases or decreases the size of an element (according to the parameters given for the width and height).</a:t>
-            </a:r>
-          </a:p>
-          <a:p>
-            <a:endParaRPr lang="en-US" dirty="0"/>
-          </a:p>
-          <a:p>
-            <a:r>
-              <a:rPr lang="en-US" dirty="0"/>
-              <a:t>The following example increases the &lt;div&gt; element to be two times of its original width, and three times of its original height: </a:t>
+              <a:t>The matrix() method combines all the 2D transform methods into one.</a:t>
+            </a:r>
+          </a:p>
+          <a:p>
+            <a:endParaRPr lang="en-US" dirty="0"/>
+          </a:p>
+          <a:p>
+            <a:r>
+              <a:rPr lang="en-US" dirty="0"/>
+              <a:t>The matrix() method take six parameters, containing mathematic functions, which allows you to rotate, scale, move (translate), and skew elements.</a:t>
+            </a:r>
+          </a:p>
+          <a:p>
+            <a:endParaRPr lang="en-US" dirty="0"/>
+          </a:p>
+          <a:p>
+            <a:r>
+              <a:rPr lang="en-US" dirty="0"/>
+              <a:t>The parameters are as follow: matrix(</a:t>
+            </a:r>
+            <a:r>
+              <a:rPr lang="en-US" dirty="0" err="1"/>
+              <a:t>scaleX</a:t>
+            </a:r>
+            <a:r>
+              <a:rPr lang="en-US" dirty="0"/>
+              <a:t>(),</a:t>
+            </a:r>
+            <a:r>
+              <a:rPr lang="en-US" dirty="0" err="1"/>
+              <a:t>skewY</a:t>
+            </a:r>
+            <a:r>
+              <a:rPr lang="en-US" dirty="0"/>
+              <a:t>(),</a:t>
+            </a:r>
+            <a:r>
+              <a:rPr lang="en-US" dirty="0" err="1"/>
+              <a:t>skewX</a:t>
+            </a:r>
+            <a:r>
+              <a:rPr lang="en-US" dirty="0"/>
+              <a:t>(),</a:t>
+            </a:r>
+            <a:r>
+              <a:rPr lang="en-US" dirty="0" err="1"/>
+              <a:t>scaleY</a:t>
+            </a:r>
+            <a:r>
+              <a:rPr lang="en-US" dirty="0"/>
+              <a:t>(),</a:t>
+            </a:r>
+            <a:r>
+              <a:rPr lang="en-US" dirty="0" err="1"/>
+              <a:t>translateX</a:t>
+            </a:r>
+            <a:r>
+              <a:rPr lang="en-US" dirty="0"/>
+              <a:t>(),</a:t>
+            </a:r>
+            <a:r>
+              <a:rPr lang="en-US" dirty="0" err="1"/>
+              <a:t>translateY</a:t>
+            </a:r>
+            <a:r>
+              <a:rPr lang="en-US" dirty="0"/>
+              <a:t>())</a:t>
             </a:r>
           </a:p>
           <a:p>
@@ -6517,13 +6684,13 @@
             </a:r>
             <a:r>
               <a:rPr lang="en-US" dirty="0"/>
-              <a:t>-transform: scale(2, 3); /* IE 9 */</a:t>
-            </a:r>
-          </a:p>
-          <a:p>
-            <a:r>
-              <a:rPr lang="en-US" dirty="0"/>
-              <a:t>     -</a:t>
+              <a:t>-transform: matrix(1, -0.3, 0, 1, 0, 0); /* IE 9 */</a:t>
+            </a:r>
+          </a:p>
+          <a:p>
+            <a:r>
+              <a:rPr lang="en-US" dirty="0"/>
+              <a:t>    -</a:t>
             </a:r>
             <a:r>
               <a:rPr lang="en-US" dirty="0" err="1"/>
@@ -6531,21 +6698,13 @@
             </a:r>
             <a:r>
               <a:rPr lang="en-US" dirty="0"/>
-              <a:t>-transform: scale(2, 3); /* Safari */</a:t>
-            </a:r>
-          </a:p>
-          <a:p>
-            <a:r>
-              <a:rPr lang="en-US" dirty="0"/>
-              <a:t>     </a:t>
-            </a:r>
-            <a:r>
-              <a:rPr lang="en-US" sz="3000" dirty="0">
-                <a:solidFill>
-                  <a:srgbClr val="FF0000"/>
-                </a:solidFill>
-              </a:rPr>
-              <a:t>transform: scale(2, 3);</a:t>
+              <a:t>-transform: matrix(1, -0.3, 0, 1, 0, 0); /* Safari */</a:t>
+            </a:r>
+          </a:p>
+          <a:p>
+            <a:r>
+              <a:rPr lang="en-US" dirty="0"/>
+              <a:t>    transform: matrix(1, -0.3, 0, 1, 0, 0);</a:t>
             </a:r>
           </a:p>
           <a:p>
@@ -6559,7 +6718,7 @@
     </p:spTree>
     <p:extLst>
       <p:ext uri="{BB962C8B-B14F-4D97-AF65-F5344CB8AC3E}">
-        <p14:creationId xmlns:p14="http://schemas.microsoft.com/office/powerpoint/2010/main" val="2516802672"/>
+        <p14:creationId xmlns:p14="http://schemas.microsoft.com/office/powerpoint/2010/main" val="1406628831"/>
       </p:ext>
     </p:extLst>
   </p:cSld>
@@ -6598,25 +6757,19 @@
         </p:nvSpPr>
         <p:spPr>
           <a:xfrm>
-            <a:off x="604597" y="102755"/>
-            <a:ext cx="8596668" cy="1320800"/>
+            <a:off x="459124" y="173182"/>
+            <a:ext cx="8596668" cy="710045"/>
           </a:xfrm>
         </p:spPr>
         <p:txBody>
-          <a:bodyPr/>
+          <a:bodyPr>
+            <a:normAutofit fontScale="90000"/>
+          </a:bodyPr>
           <a:lstStyle/>
           <a:p>
             <a:r>
               <a:rPr lang="en-US" b="1" dirty="0"/>
-              <a:t>The </a:t>
-            </a:r>
-            <a:r>
-              <a:rPr lang="en-US" b="1" dirty="0" err="1"/>
-              <a:t>skewX</a:t>
-            </a:r>
-            <a:r>
-              <a:rPr lang="en-US" b="1" dirty="0"/>
-              <a:t>() Method</a:t>
+              <a:t>CSS Transitions</a:t>
             </a:r>
             <a:br>
               <a:rPr lang="en-US" b="1" dirty="0"/>
@@ -6637,8 +6790,8 @@
         </p:nvSpPr>
         <p:spPr>
           <a:xfrm>
-            <a:off x="677333" y="1423555"/>
-            <a:ext cx="9318721" cy="4617807"/>
+            <a:off x="187036" y="883227"/>
+            <a:ext cx="9086966" cy="5158135"/>
           </a:xfrm>
         </p:spPr>
         <p:txBody>
@@ -6649,73 +6802,75 @@
           <a:p>
             <a:r>
               <a:rPr lang="en-US" dirty="0"/>
-              <a:t>The </a:t>
-            </a:r>
-            <a:r>
-              <a:rPr lang="en-US" dirty="0" err="1"/>
-              <a:t>skewX</a:t>
-            </a:r>
-            <a:r>
-              <a:rPr lang="en-US" dirty="0"/>
-              <a:t>() method skews an element along the X-axis by the given angle.</a:t>
-            </a:r>
-          </a:p>
-          <a:p>
-            <a:endParaRPr lang="en-US" dirty="0"/>
-          </a:p>
-          <a:p>
-            <a:r>
-              <a:rPr lang="en-US" dirty="0"/>
-              <a:t>The following example skews the &lt;div&gt; element 20 degrees along the X-axis:</a:t>
-            </a:r>
-          </a:p>
-          <a:p>
-            <a:endParaRPr lang="en-US" dirty="0"/>
-          </a:p>
-          <a:p>
-            <a:endParaRPr lang="en-US" dirty="0"/>
-          </a:p>
-          <a:p>
-            <a:r>
-              <a:rPr lang="en-US" dirty="0"/>
-              <a:t>Example</a:t>
-            </a:r>
-          </a:p>
-          <a:p>
-            <a:endParaRPr lang="en-US" dirty="0"/>
-          </a:p>
-          <a:p>
-            <a:r>
-              <a:rPr lang="en-US" dirty="0"/>
-              <a:t> div {</a:t>
-            </a:r>
-          </a:p>
-          <a:p>
-            <a:r>
-              <a:rPr lang="en-US" dirty="0"/>
-              <a:t>     -</a:t>
-            </a:r>
-            <a:r>
-              <a:rPr lang="en-US" dirty="0" err="1"/>
-              <a:t>ms</a:t>
-            </a:r>
-            <a:r>
-              <a:rPr lang="en-US" dirty="0"/>
-              <a:t>-transform: </a:t>
-            </a:r>
-            <a:r>
-              <a:rPr lang="en-US" dirty="0" err="1"/>
-              <a:t>skewX</a:t>
-            </a:r>
-            <a:r>
-              <a:rPr lang="en-US" dirty="0"/>
-              <a:t>(20deg); /* IE 9 */</a:t>
-            </a:r>
-          </a:p>
-          <a:p>
-            <a:r>
-              <a:rPr lang="en-US" dirty="0"/>
-              <a:t>     -</a:t>
+              <a:t>CSS transitions allows you to change property values smoothly (from one value to another), over a given duration.</a:t>
+            </a:r>
+          </a:p>
+          <a:p>
+            <a:r>
+              <a:rPr lang="en-US" dirty="0"/>
+              <a:t>To create a transition effect, you must specify two things:</a:t>
+            </a:r>
+          </a:p>
+          <a:p>
+            <a:r>
+              <a:rPr lang="en-US" sz="2400" dirty="0">
+                <a:solidFill>
+                  <a:srgbClr val="FF0000"/>
+                </a:solidFill>
+              </a:rPr>
+              <a:t>the CSS property you want to add an effect to</a:t>
+            </a:r>
+          </a:p>
+          <a:p>
+            <a:r>
+              <a:rPr lang="en-US" sz="2400" dirty="0">
+                <a:solidFill>
+                  <a:srgbClr val="FF0000"/>
+                </a:solidFill>
+              </a:rPr>
+              <a:t>the duration of the effect</a:t>
+            </a:r>
+          </a:p>
+          <a:p>
+            <a:r>
+              <a:rPr lang="en-US" dirty="0"/>
+              <a:t>div {</a:t>
+            </a:r>
+            <a:br>
+              <a:rPr lang="en-US" dirty="0"/>
+            </a:br>
+            <a:r>
+              <a:rPr lang="en-US" dirty="0"/>
+              <a:t>    width: 100px;</a:t>
+            </a:r>
+            <a:br>
+              <a:rPr lang="en-US" dirty="0"/>
+            </a:br>
+            <a:r>
+              <a:rPr lang="en-US" dirty="0"/>
+              <a:t>    height: 100px;</a:t>
+            </a:r>
+            <a:br>
+              <a:rPr lang="en-US" dirty="0"/>
+            </a:br>
+            <a:r>
+              <a:rPr lang="en-US" dirty="0"/>
+              <a:t>    </a:t>
+            </a:r>
+            <a:r>
+              <a:rPr lang="en-US" dirty="0">
+                <a:solidFill>
+                  <a:srgbClr val="FF0000"/>
+                </a:solidFill>
+              </a:rPr>
+              <a:t>background: red;</a:t>
+            </a:r>
+            <a:br>
+              <a:rPr lang="en-US" dirty="0"/>
+            </a:br>
+            <a:r>
+              <a:rPr lang="en-US" dirty="0"/>
+              <a:t>    -</a:t>
             </a:r>
             <a:r>
               <a:rPr lang="en-US" dirty="0" err="1"/>
@@ -6723,59 +6878,93 @@
             </a:r>
             <a:r>
               <a:rPr lang="en-US" dirty="0"/>
-              <a:t>-transform: </a:t>
-            </a:r>
+              <a:t>-transition: width 2s; /* Safari */</a:t>
+            </a:r>
+            <a:br>
+              <a:rPr lang="en-US" dirty="0"/>
+            </a:br>
+            <a:r>
+              <a:rPr lang="en-US" dirty="0"/>
+              <a:t>    </a:t>
+            </a:r>
+            <a:r>
+              <a:rPr lang="en-US" dirty="0">
+                <a:solidFill>
+                  <a:srgbClr val="FF0000"/>
+                </a:solidFill>
+              </a:rPr>
+              <a:t>transition:  background 2s;</a:t>
+            </a:r>
+          </a:p>
+          <a:p>
+            <a:pPr>
+              <a:buNone/>
+            </a:pPr>
+            <a:r>
+              <a:rPr lang="en-US" dirty="0">
+                <a:solidFill>
+                  <a:srgbClr val="FF0000"/>
+                </a:solidFill>
+              </a:rPr>
+              <a:t>         transition-delay:4s;</a:t>
+            </a:r>
+            <a:br>
+              <a:rPr lang="en-US" dirty="0"/>
+            </a:br>
+            <a:r>
+              <a:rPr lang="en-US" dirty="0"/>
+              <a:t>}</a:t>
+            </a:r>
+          </a:p>
+          <a:p>
             <a:r>
               <a:rPr lang="en-US" dirty="0" err="1"/>
-              <a:t>skewX</a:t>
-            </a:r>
-            <a:r>
-              <a:rPr lang="en-US" dirty="0"/>
-              <a:t>(20deg); /* Safari */</a:t>
-            </a:r>
-          </a:p>
-          <a:p>
-            <a:r>
-              <a:rPr lang="en-US" dirty="0"/>
-              <a:t>     </a:t>
-            </a:r>
-            <a:r>
-              <a:rPr lang="en-US" sz="2800" dirty="0">
+              <a:t>div:hover</a:t>
+            </a:r>
+            <a:r>
+              <a:rPr lang="en-US" dirty="0"/>
+              <a:t> {</a:t>
+            </a:r>
+            <a:br>
+              <a:rPr lang="en-US" dirty="0"/>
+            </a:br>
+            <a:r>
+              <a:rPr lang="en-US" dirty="0"/>
+              <a:t>    </a:t>
+            </a:r>
+            <a:r>
+              <a:rPr lang="en-US" dirty="0" err="1">
                 <a:solidFill>
                   <a:srgbClr val="FF0000"/>
                 </a:solidFill>
               </a:rPr>
-              <a:t>transform: </a:t>
-            </a:r>
-            <a:r>
-              <a:rPr lang="en-US" sz="2800" dirty="0" err="1">
+              <a:t>background:blue</a:t>
+            </a:r>
+            <a:r>
+              <a:rPr lang="en-US" dirty="0">
                 <a:solidFill>
                   <a:srgbClr val="FF0000"/>
                 </a:solidFill>
               </a:rPr>
-              <a:t>skewX</a:t>
-            </a:r>
-            <a:r>
-              <a:rPr lang="en-US" sz="2800" dirty="0">
-                <a:solidFill>
-                  <a:srgbClr val="FF0000"/>
-                </a:solidFill>
-              </a:rPr>
-              <a:t>(20deg);</a:t>
-            </a:r>
-          </a:p>
-          <a:p>
-            <a:r>
-              <a:rPr lang="en-US" dirty="0"/>
-              <a:t>} </a:t>
-            </a:r>
+              <a:t>;</a:t>
+            </a:r>
+            <a:br>
+              <a:rPr lang="en-US" dirty="0"/>
+            </a:br>
+            <a:r>
+              <a:rPr lang="en-US" dirty="0"/>
+              <a:t>}</a:t>
+            </a:r>
+          </a:p>
+          <a:p>
+            <a:endParaRPr lang="en-US" dirty="0"/>
           </a:p>
         </p:txBody>
       </p:sp>
     </p:spTree>
     <p:extLst>
       <p:ext uri="{BB962C8B-B14F-4D97-AF65-F5344CB8AC3E}">
-        <p14:creationId xmlns:p14="http://schemas.microsoft.com/office/powerpoint/2010/main" val="1693020415"/>
+        <p14:creationId xmlns:p14="http://schemas.microsoft.com/office/powerpoint/2010/main" val="1713710784"/>
       </p:ext>
     </p:extLst>
   </p:cSld>
@@ -6818,18 +7007,9 @@
           <a:lstStyle/>
           <a:p>
             <a:r>
-              <a:rPr lang="en-US" b="1" dirty="0"/>
-              <a:t>The </a:t>
-            </a:r>
-            <a:r>
-              <a:rPr lang="en-US" b="1" dirty="0" err="1"/>
-              <a:t>skewY</a:t>
-            </a:r>
-            <a:r>
-              <a:rPr lang="en-US" b="1" dirty="0"/>
-              <a:t>() Method</a:t>
-            </a:r>
-            <a:endParaRPr lang="en-US" dirty="0"/>
+              <a:rPr lang="en-IN" dirty="0"/>
+              <a:t>Remember these 4 properties to work with transitions</a:t>
+            </a:r>
           </a:p>
         </p:txBody>
       </p:sp>
@@ -6843,133 +7023,40 @@
             <p:ph idx="1"/>
           </p:nvPr>
         </p:nvSpPr>
-        <p:spPr>
-          <a:xfrm>
-            <a:off x="677333" y="1381991"/>
-            <a:ext cx="9277157" cy="4659371"/>
-          </a:xfrm>
-        </p:spPr>
-        <p:txBody>
-          <a:bodyPr>
-            <a:normAutofit lnSpcReduction="10000"/>
-          </a:bodyPr>
+        <p:spPr/>
+        <p:txBody>
+          <a:bodyPr/>
           <a:lstStyle/>
           <a:p>
             <a:r>
-              <a:rPr lang="en-US" dirty="0"/>
-              <a:t>The </a:t>
-            </a:r>
-            <a:r>
-              <a:rPr lang="en-US" dirty="0" err="1"/>
-              <a:t>skewY</a:t>
-            </a:r>
-            <a:r>
-              <a:rPr lang="en-US" dirty="0"/>
-              <a:t>() method skews an element along the Y-axis by the given angle.</a:t>
-            </a:r>
-          </a:p>
-          <a:p>
-            <a:endParaRPr lang="en-US" dirty="0"/>
-          </a:p>
-          <a:p>
-            <a:r>
-              <a:rPr lang="en-US" dirty="0"/>
-              <a:t>The following example skews the &lt;div&gt; element 20 degrees along the Y-axis:</a:t>
-            </a:r>
-          </a:p>
-          <a:p>
-            <a:endParaRPr lang="en-US" dirty="0"/>
-          </a:p>
-          <a:p>
-            <a:endParaRPr lang="en-US" dirty="0"/>
-          </a:p>
-          <a:p>
-            <a:r>
-              <a:rPr lang="en-US" dirty="0"/>
-              <a:t>Example</a:t>
-            </a:r>
-          </a:p>
-          <a:p>
-            <a:endParaRPr lang="en-US" dirty="0"/>
-          </a:p>
-          <a:p>
-            <a:r>
-              <a:rPr lang="en-US" dirty="0"/>
-              <a:t> div {</a:t>
-            </a:r>
-          </a:p>
-          <a:p>
-            <a:r>
-              <a:rPr lang="en-US" dirty="0"/>
-              <a:t>     -</a:t>
-            </a:r>
-            <a:r>
-              <a:rPr lang="en-US" dirty="0" err="1"/>
-              <a:t>ms</a:t>
-            </a:r>
-            <a:r>
-              <a:rPr lang="en-US" dirty="0"/>
-              <a:t>-transform: </a:t>
-            </a:r>
-            <a:r>
-              <a:rPr lang="en-US" dirty="0" err="1"/>
-              <a:t>skewY</a:t>
-            </a:r>
-            <a:r>
-              <a:rPr lang="en-US" dirty="0"/>
-              <a:t>(20deg); /* IE 9 */</a:t>
-            </a:r>
-          </a:p>
-          <a:p>
-            <a:r>
-              <a:rPr lang="en-US" dirty="0"/>
-              <a:t>     -</a:t>
-            </a:r>
-            <a:r>
-              <a:rPr lang="en-US" dirty="0" err="1"/>
-              <a:t>webkit</a:t>
-            </a:r>
-            <a:r>
-              <a:rPr lang="en-US" dirty="0"/>
-              <a:t>-transform: </a:t>
-            </a:r>
-            <a:r>
-              <a:rPr lang="en-US" dirty="0" err="1"/>
-              <a:t>skewY</a:t>
-            </a:r>
-            <a:r>
-              <a:rPr lang="en-US" dirty="0"/>
-              <a:t>(20deg); /* Safari */</a:t>
-            </a:r>
-          </a:p>
-          <a:p>
-            <a:r>
-              <a:rPr lang="en-US" dirty="0"/>
-              <a:t>     transform: </a:t>
-            </a:r>
-            <a:r>
-              <a:rPr lang="en-US" dirty="0" err="1"/>
-              <a:t>skewY</a:t>
-            </a:r>
-            <a:r>
-              <a:rPr lang="en-US" dirty="0"/>
-              <a:t>(20deg);</a:t>
-            </a:r>
-          </a:p>
-          <a:p>
-            <a:r>
-              <a:rPr lang="en-US" dirty="0"/>
-              <a:t>} </a:t>
-            </a:r>
+              <a:rPr lang="en-IN" sz="4000" dirty="0"/>
+              <a:t>transition-property</a:t>
+            </a:r>
+          </a:p>
+          <a:p>
+            <a:r>
+              <a:rPr lang="en-IN" sz="4000" dirty="0"/>
+              <a:t>transitions-duration</a:t>
+            </a:r>
+          </a:p>
+          <a:p>
+            <a:r>
+              <a:rPr lang="en-IN" sz="4000" dirty="0"/>
+              <a:t>transition-delay</a:t>
+            </a:r>
+          </a:p>
+          <a:p>
+            <a:r>
+              <a:rPr lang="en-IN" sz="4000" dirty="0"/>
+              <a:t>transition-timing-function</a:t>
+            </a:r>
+          </a:p>
+          <a:p>
+            <a:endParaRPr lang="en-IN" dirty="0"/>
           </a:p>
         </p:txBody>
       </p:sp>
     </p:spTree>
-    <p:extLst>
-      <p:ext uri="{BB962C8B-B14F-4D97-AF65-F5344CB8AC3E}">
-        <p14:creationId xmlns:p14="http://schemas.microsoft.com/office/powerpoint/2010/main" val="880380551"/>
-      </p:ext>
-    </p:extLst>
   </p:cSld>
   <p:clrMapOvr>
     <a:masterClrMapping/>
@@ -7004,111 +7091,40 @@
             <p:ph type="title"/>
           </p:nvPr>
         </p:nvSpPr>
-        <p:spPr>
-          <a:xfrm>
-            <a:off x="677334" y="609600"/>
-            <a:ext cx="8596668" cy="574964"/>
-          </a:xfrm>
-        </p:spPr>
-        <p:txBody>
-          <a:bodyPr>
-            <a:normAutofit fontScale="90000"/>
-          </a:bodyPr>
+        <p:spPr/>
+        <p:txBody>
+          <a:bodyPr/>
           <a:lstStyle/>
           <a:p>
-            <a:r>
-              <a:rPr lang="en-US" dirty="0"/>
-              <a:t>The skew() Method</a:t>
+            <a:endParaRPr lang="en-US"/>
+          </a:p>
+        </p:txBody>
+      </p:sp>
+      <p:sp>
+        <p:nvSpPr>
+          <p:cNvPr id="3" name="Content Placeholder 2"/>
+          <p:cNvSpPr>
+            <a:spLocks noGrp="1"/>
+          </p:cNvSpPr>
+          <p:nvPr>
+            <p:ph idx="1"/>
+          </p:nvPr>
+        </p:nvSpPr>
+        <p:spPr/>
+        <p:txBody>
+          <a:bodyPr/>
+          <a:lstStyle/>
+          <a:p>
+            <a:r>
+              <a:rPr lang="en-US" dirty="0"/>
+              <a:t>div {</a:t>
             </a:r>
             <a:br>
               <a:rPr lang="en-US" dirty="0"/>
             </a:br>
             <a:r>
               <a:rPr lang="en-US" dirty="0"/>
-              <a:t> </a:t>
-            </a:r>
-            <a:br>
-              <a:rPr lang="en-US" dirty="0"/>
-            </a:br>
-            <a:endParaRPr lang="en-US" dirty="0"/>
-          </a:p>
-        </p:txBody>
-      </p:sp>
-      <p:sp>
-        <p:nvSpPr>
-          <p:cNvPr id="3" name="Content Placeholder 2"/>
-          <p:cNvSpPr>
-            <a:spLocks noGrp="1"/>
-          </p:cNvSpPr>
-          <p:nvPr>
-            <p:ph idx="1"/>
-          </p:nvPr>
-        </p:nvSpPr>
-        <p:spPr>
-          <a:xfrm>
-            <a:off x="677334" y="1381991"/>
-            <a:ext cx="8596668" cy="4659371"/>
-          </a:xfrm>
-        </p:spPr>
-        <p:txBody>
-          <a:bodyPr>
-            <a:normAutofit fontScale="92500" lnSpcReduction="10000"/>
-          </a:bodyPr>
-          <a:lstStyle/>
-          <a:p>
-            <a:r>
-              <a:rPr lang="en-US" dirty="0"/>
-              <a:t>The skew() method skews an element along the X and Y-axis by the given angles.</a:t>
-            </a:r>
-          </a:p>
-          <a:p>
-            <a:endParaRPr lang="en-US" dirty="0"/>
-          </a:p>
-          <a:p>
-            <a:r>
-              <a:rPr lang="en-US" dirty="0"/>
-              <a:t>The following example skews the &lt;div&gt; element 20 degrees along the X-axis, and 10 degrees along the Y-axis:</a:t>
-            </a:r>
-          </a:p>
-          <a:p>
-            <a:endParaRPr lang="en-US" dirty="0"/>
-          </a:p>
-          <a:p>
-            <a:endParaRPr lang="en-US" dirty="0"/>
-          </a:p>
-          <a:p>
-            <a:r>
-              <a:rPr lang="en-US" dirty="0"/>
-              <a:t>Example</a:t>
-            </a:r>
-          </a:p>
-          <a:p>
-            <a:endParaRPr lang="en-US" dirty="0"/>
-          </a:p>
-          <a:p>
-            <a:r>
-              <a:rPr lang="en-US" dirty="0"/>
-              <a:t> div {</a:t>
-            </a:r>
-          </a:p>
-          <a:p>
-            <a:r>
-              <a:rPr lang="en-US" dirty="0"/>
-              <a:t>     -</a:t>
-            </a:r>
-            <a:r>
-              <a:rPr lang="en-US" dirty="0" err="1"/>
-              <a:t>ms</a:t>
-            </a:r>
-            <a:r>
-              <a:rPr lang="en-US" dirty="0"/>
-              <a:t>-transform: skew(20deg, 10deg); /* IE 9 */</a:t>
-            </a:r>
-          </a:p>
-          <a:p>
-            <a:r>
-              <a:rPr lang="en-US" dirty="0"/>
-              <a:t>     -</a:t>
+              <a:t>    -</a:t>
             </a:r>
             <a:r>
               <a:rPr lang="en-US" dirty="0" err="1"/>
@@ -7116,27 +7132,40 @@
             </a:r>
             <a:r>
               <a:rPr lang="en-US" dirty="0"/>
-              <a:t>-transform: skew(20deg, 10deg); /* Safari */</a:t>
-            </a:r>
-          </a:p>
-          <a:p>
-            <a:r>
-              <a:rPr lang="en-US" dirty="0"/>
-              <a:t>     transform: skew(20deg, 10deg);</a:t>
-            </a:r>
-          </a:p>
-          <a:p>
+              <a:t>-transition: width 2s, height 4s; /* Safari */</a:t>
+            </a:r>
+            <a:br>
+              <a:rPr lang="en-US" dirty="0"/>
+            </a:br>
+            <a:r>
+              <a:rPr lang="en-US" dirty="0"/>
+              <a:t>    </a:t>
+            </a:r>
+            <a:r>
+              <a:rPr lang="en-US" sz="3200" dirty="0">
+                <a:solidFill>
+                  <a:srgbClr val="FF0000"/>
+                </a:solidFill>
+              </a:rPr>
+              <a:t>transition: width 2s, height 4s;</a:t>
+            </a:r>
+            <a:br>
+              <a:rPr lang="en-US" dirty="0"/>
+            </a:br>
             <a:r>
               <a:rPr lang="en-US" dirty="0"/>
               <a:t>} </a:t>
             </a:r>
+          </a:p>
+          <a:p>
+            <a:endParaRPr lang="en-US" dirty="0"/>
           </a:p>
         </p:txBody>
       </p:sp>
     </p:spTree>
     <p:extLst>
       <p:ext uri="{BB962C8B-B14F-4D97-AF65-F5344CB8AC3E}">
-        <p14:creationId xmlns:p14="http://schemas.microsoft.com/office/powerpoint/2010/main" val="1663213264"/>
+        <p14:creationId xmlns:p14="http://schemas.microsoft.com/office/powerpoint/2010/main" val="2340823750"/>
       </p:ext>
     </p:extLst>
   </p:cSld>
@@ -7165,32 +7194,6 @@
       </p:grpSpPr>
       <p:sp>
         <p:nvSpPr>
-          <p:cNvPr id="2" name="Title 1"/>
-          <p:cNvSpPr>
-            <a:spLocks noGrp="1"/>
-          </p:cNvSpPr>
-          <p:nvPr>
-            <p:ph type="title"/>
-          </p:nvPr>
-        </p:nvSpPr>
-        <p:spPr/>
-        <p:txBody>
-          <a:bodyPr/>
-          <a:lstStyle/>
-          <a:p>
-            <a:r>
-              <a:rPr lang="en-US" b="1" dirty="0"/>
-              <a:t>The matrix() Method</a:t>
-            </a:r>
-            <a:br>
-              <a:rPr lang="en-US" b="1" dirty="0"/>
-            </a:br>
-            <a:endParaRPr lang="en-US" dirty="0"/>
-          </a:p>
-        </p:txBody>
-      </p:sp>
-      <p:sp>
-        <p:nvSpPr>
           <p:cNvPr id="3" name="Content Placeholder 2"/>
           <p:cNvSpPr>
             <a:spLocks noGrp="1"/>
@@ -7201,154 +7204,99 @@
         </p:nvSpPr>
         <p:spPr>
           <a:xfrm>
-            <a:off x="677333" y="1330036"/>
-            <a:ext cx="10014911" cy="5413663"/>
+            <a:off x="126615" y="290945"/>
+            <a:ext cx="10929311" cy="6442364"/>
           </a:xfrm>
         </p:spPr>
         <p:txBody>
           <a:bodyPr>
-            <a:normAutofit fontScale="92500" lnSpcReduction="20000"/>
+            <a:normAutofit/>
           </a:bodyPr>
           <a:lstStyle/>
           <a:p>
             <a:r>
               <a:rPr lang="en-US" dirty="0"/>
-              <a:t>The matrix() method combines all the 2D transform methods into one.</a:t>
-            </a:r>
-          </a:p>
-          <a:p>
-            <a:endParaRPr lang="en-US" dirty="0"/>
-          </a:p>
-          <a:p>
-            <a:r>
-              <a:rPr lang="en-US" dirty="0"/>
-              <a:t>The matrix() method take six parameters, containing mathematic functions, which allows you to rotate, scale, move (translate), and skew elements.</a:t>
-            </a:r>
-          </a:p>
-          <a:p>
-            <a:endParaRPr lang="en-US" dirty="0"/>
-          </a:p>
-          <a:p>
-            <a:r>
-              <a:rPr lang="en-US" dirty="0"/>
-              <a:t>The parameters are as follow: matrix(</a:t>
-            </a:r>
-            <a:r>
-              <a:rPr lang="en-US" dirty="0" err="1"/>
-              <a:t>scaleX</a:t>
-            </a:r>
-            <a:r>
-              <a:rPr lang="en-US" dirty="0"/>
-              <a:t>(),</a:t>
-            </a:r>
-            <a:r>
-              <a:rPr lang="en-US" dirty="0" err="1"/>
-              <a:t>skewY</a:t>
-            </a:r>
-            <a:r>
-              <a:rPr lang="en-US" dirty="0"/>
-              <a:t>(),</a:t>
-            </a:r>
-            <a:r>
-              <a:rPr lang="en-US" dirty="0" err="1"/>
-              <a:t>skewX</a:t>
-            </a:r>
-            <a:r>
-              <a:rPr lang="en-US" dirty="0"/>
-              <a:t>(),</a:t>
-            </a:r>
-            <a:r>
-              <a:rPr lang="en-US" dirty="0" err="1"/>
-              <a:t>scaleY</a:t>
-            </a:r>
-            <a:r>
-              <a:rPr lang="en-US" dirty="0"/>
-              <a:t>(),</a:t>
-            </a:r>
-            <a:r>
-              <a:rPr lang="en-US" dirty="0" err="1"/>
-              <a:t>translateX</a:t>
-            </a:r>
-            <a:r>
-              <a:rPr lang="en-US" dirty="0"/>
-              <a:t>(),</a:t>
-            </a:r>
-            <a:r>
-              <a:rPr lang="en-US" dirty="0" err="1"/>
-              <a:t>translateY</a:t>
-            </a:r>
-            <a:r>
-              <a:rPr lang="en-US" dirty="0"/>
-              <a:t>())</a:t>
-            </a:r>
-          </a:p>
-          <a:p>
-            <a:endParaRPr lang="en-US" dirty="0"/>
-          </a:p>
-          <a:p>
-            <a:endParaRPr lang="en-US" dirty="0"/>
-          </a:p>
-          <a:p>
-            <a:r>
-              <a:rPr lang="en-US" dirty="0"/>
-              <a:t>Example</a:t>
-            </a:r>
-          </a:p>
-          <a:p>
-            <a:endParaRPr lang="en-US" dirty="0"/>
-          </a:p>
-          <a:p>
-            <a:r>
-              <a:rPr lang="en-US" dirty="0"/>
-              <a:t> div {</a:t>
-            </a:r>
-          </a:p>
-          <a:p>
-            <a:r>
-              <a:rPr lang="en-US" dirty="0"/>
-              <a:t>     -</a:t>
-            </a:r>
-            <a:r>
-              <a:rPr lang="en-US" dirty="0" err="1"/>
-              <a:t>ms</a:t>
-            </a:r>
-            <a:r>
-              <a:rPr lang="en-US" dirty="0"/>
-              <a:t>-transform: matrix(1, -0.3, 0, 1, 0, 0); /* IE 9 */</a:t>
-            </a:r>
-          </a:p>
-          <a:p>
-            <a:r>
-              <a:rPr lang="en-US" dirty="0"/>
-              <a:t>    -</a:t>
-            </a:r>
-            <a:r>
-              <a:rPr lang="en-US" dirty="0" err="1"/>
-              <a:t>webkit</a:t>
-            </a:r>
-            <a:r>
-              <a:rPr lang="en-US" dirty="0"/>
-              <a:t>-transform: matrix(1, -0.3, 0, 1, 0, 0); /* Safari */</a:t>
-            </a:r>
-          </a:p>
-          <a:p>
-            <a:r>
-              <a:rPr lang="en-US" dirty="0"/>
-              <a:t>    transform: matrix(1, -0.3, 0, 1, 0, 0);</a:t>
-            </a:r>
-          </a:p>
-          <a:p>
-            <a:r>
-              <a:rPr lang="en-US" dirty="0"/>
-              <a:t>} </a:t>
-            </a:r>
+              <a:t>The transition-timing-function property specifies the speed curve of the transition effect.</a:t>
+            </a:r>
+          </a:p>
+          <a:p>
+            <a:endParaRPr lang="en-US" dirty="0"/>
+          </a:p>
+          <a:p>
+            <a:r>
+              <a:rPr lang="en-US" dirty="0"/>
+              <a:t>The transition-timing-function property can have the following values:</a:t>
+            </a:r>
+          </a:p>
+          <a:p>
+            <a:pPr marL="0" indent="0">
+              <a:buNone/>
+            </a:pPr>
+            <a:endParaRPr lang="en-US" dirty="0"/>
+          </a:p>
+          <a:p>
+            <a:r>
+              <a:rPr lang="en-US" dirty="0"/>
+              <a:t>•</a:t>
+            </a:r>
+            <a:r>
+              <a:rPr lang="en-US" sz="2800" dirty="0">
+                <a:solidFill>
+                  <a:srgbClr val="FF0000"/>
+                </a:solidFill>
+              </a:rPr>
+              <a:t>ease - specifies a transition effect with a slow start, then fast, then end slowly (this is default)</a:t>
+            </a:r>
+          </a:p>
+          <a:p>
+            <a:r>
+              <a:rPr lang="en-US" sz="2800" dirty="0">
+                <a:solidFill>
+                  <a:srgbClr val="FF0000"/>
+                </a:solidFill>
+              </a:rPr>
+              <a:t>•linear - specifies a transition effect with the same speed from start to end</a:t>
+            </a:r>
+          </a:p>
+          <a:p>
+            <a:r>
+              <a:rPr lang="en-US" sz="2800" dirty="0">
+                <a:solidFill>
+                  <a:srgbClr val="FF0000"/>
+                </a:solidFill>
+              </a:rPr>
+              <a:t>•ease-in - specifies a transition effect with a slow start</a:t>
+            </a:r>
+          </a:p>
+          <a:p>
+            <a:r>
+              <a:rPr lang="en-US" sz="2800" dirty="0">
+                <a:solidFill>
+                  <a:srgbClr val="FF0000"/>
+                </a:solidFill>
+              </a:rPr>
+              <a:t>•ease-out - specifies a transition effect with a slow end</a:t>
+            </a:r>
+          </a:p>
+          <a:p>
+            <a:r>
+              <a:rPr lang="en-US" sz="2800" dirty="0">
+                <a:solidFill>
+                  <a:srgbClr val="FF0000"/>
+                </a:solidFill>
+              </a:rPr>
+              <a:t>•ease-in-out - specifies a transition effect with a slow start and end</a:t>
+            </a:r>
+          </a:p>
+          <a:p>
+            <a:endParaRPr lang="en-US" dirty="0"/>
           </a:p>
         </p:txBody>
       </p:sp>
     </p:spTree>
     <p:extLst>
       <p:ext uri="{BB962C8B-B14F-4D97-AF65-F5344CB8AC3E}">
-        <p14:creationId xmlns:p14="http://schemas.microsoft.com/office/powerpoint/2010/main" val="1406628831"/>
+        <p14:creationId xmlns:p14="http://schemas.microsoft.com/office/powerpoint/2010/main" val="1558383595"/>
       </p:ext>
     </p:extLst>
   </p:cSld>
@@ -7385,122 +7333,71 @@
             <p:ph type="title"/>
           </p:nvPr>
         </p:nvSpPr>
-        <p:spPr>
-          <a:xfrm>
-            <a:off x="459124" y="173182"/>
-            <a:ext cx="8596668" cy="710045"/>
-          </a:xfrm>
-        </p:spPr>
+        <p:spPr/>
+        <p:txBody>
+          <a:bodyPr/>
+          <a:lstStyle/>
+          <a:p>
+            <a:endParaRPr lang="en-US"/>
+          </a:p>
+        </p:txBody>
+      </p:sp>
+      <p:sp>
+        <p:nvSpPr>
+          <p:cNvPr id="3" name="Content Placeholder 2"/>
+          <p:cNvSpPr>
+            <a:spLocks noGrp="1"/>
+          </p:cNvSpPr>
+          <p:nvPr>
+            <p:ph idx="1"/>
+          </p:nvPr>
+        </p:nvSpPr>
+        <p:spPr/>
         <p:txBody>
           <a:bodyPr>
-            <a:normAutofit fontScale="90000"/>
+            <a:normAutofit fontScale="85000" lnSpcReduction="10000"/>
           </a:bodyPr>
           <a:lstStyle/>
           <a:p>
             <a:r>
-              <a:rPr lang="en-US" b="1" dirty="0"/>
-              <a:t>CSS Transitions</a:t>
-            </a:r>
-            <a:br>
-              <a:rPr lang="en-US" b="1" dirty="0"/>
-            </a:br>
-            <a:endParaRPr lang="en-US" dirty="0"/>
-          </a:p>
-        </p:txBody>
-      </p:sp>
-      <p:sp>
-        <p:nvSpPr>
-          <p:cNvPr id="3" name="Content Placeholder 2"/>
-          <p:cNvSpPr>
-            <a:spLocks noGrp="1"/>
-          </p:cNvSpPr>
-          <p:nvPr>
-            <p:ph idx="1"/>
-          </p:nvPr>
-        </p:nvSpPr>
-        <p:spPr>
-          <a:xfrm>
-            <a:off x="187036" y="883227"/>
-            <a:ext cx="9086966" cy="5158135"/>
-          </a:xfrm>
-        </p:spPr>
-        <p:txBody>
-          <a:bodyPr>
-            <a:normAutofit lnSpcReduction="10000"/>
-          </a:bodyPr>
-          <a:lstStyle/>
-          <a:p>
-            <a:r>
-              <a:rPr lang="en-US" dirty="0"/>
-              <a:t>CSS transitions allows you to change property values smoothly (from one value to another), over a given duration.</a:t>
-            </a:r>
-          </a:p>
-          <a:p>
-            <a:r>
-              <a:rPr lang="en-US" dirty="0"/>
-              <a:t>To create a transition effect, you must specify two things:</a:t>
-            </a:r>
-          </a:p>
-          <a:p>
-            <a:r>
-              <a:rPr lang="en-US" sz="2400" dirty="0">
-                <a:solidFill>
-                  <a:srgbClr val="FF0000"/>
-                </a:solidFill>
-              </a:rPr>
-              <a:t>the CSS property you want to add an effect to</a:t>
-            </a:r>
-          </a:p>
-          <a:p>
-            <a:r>
-              <a:rPr lang="en-US" sz="2400" dirty="0">
-                <a:solidFill>
-                  <a:srgbClr val="FF0000"/>
-                </a:solidFill>
-              </a:rPr>
-              <a:t>the duration of the effect</a:t>
-            </a:r>
-          </a:p>
-          <a:p>
-            <a:r>
-              <a:rPr lang="en-US" dirty="0"/>
-              <a:t>div {</a:t>
-            </a:r>
-            <a:br>
-              <a:rPr lang="en-US" dirty="0"/>
-            </a:br>
-            <a:r>
-              <a:rPr lang="en-US" dirty="0"/>
-              <a:t>    width: 100px;</a:t>
-            </a:r>
-            <a:br>
-              <a:rPr lang="en-US" dirty="0"/>
-            </a:br>
-            <a:r>
-              <a:rPr lang="en-US" dirty="0"/>
-              <a:t>    height: 100px;</a:t>
-            </a:r>
-            <a:br>
-              <a:rPr lang="en-US" dirty="0"/>
-            </a:br>
-            <a:r>
-              <a:rPr lang="en-US" dirty="0"/>
-              <a:t>    </a:t>
-            </a:r>
-            <a:r>
-              <a:rPr lang="en-US" dirty="0">
-                <a:solidFill>
-                  <a:srgbClr val="FF0000"/>
-                </a:solidFill>
-              </a:rPr>
-              <a:t>background: red;</a:t>
-            </a:r>
-            <a:br>
-              <a:rPr lang="en-US" dirty="0"/>
-            </a:br>
-            <a:r>
-              <a:rPr lang="en-US" dirty="0"/>
-              <a:t>    -</a:t>
+              <a:rPr lang="en-US" dirty="0"/>
+              <a:t>The transition-delay property specifies a delay (in seconds) for the transition effect.</a:t>
+            </a:r>
+          </a:p>
+          <a:p>
+            <a:endParaRPr lang="en-US" dirty="0"/>
+          </a:p>
+          <a:p>
+            <a:r>
+              <a:rPr lang="en-US" dirty="0"/>
+              <a:t>The following example has a 1 second delay before starting:</a:t>
+            </a:r>
+          </a:p>
+          <a:p>
+            <a:endParaRPr lang="en-US" dirty="0"/>
+          </a:p>
+          <a:p>
+            <a:endParaRPr lang="en-US" dirty="0"/>
+          </a:p>
+          <a:p>
+            <a:r>
+              <a:rPr lang="en-US" dirty="0"/>
+              <a:t>Example</a:t>
+            </a:r>
+          </a:p>
+          <a:p>
+            <a:endParaRPr lang="en-US" dirty="0"/>
+          </a:p>
+          <a:p>
+            <a:r>
+              <a:rPr lang="en-US" dirty="0"/>
+              <a:t> div {</a:t>
+            </a:r>
+          </a:p>
+          <a:p>
+            <a:r>
+              <a:rPr lang="en-US" dirty="0"/>
+              <a:t>    -</a:t>
             </a:r>
             <a:r>
               <a:rPr lang="en-US" dirty="0" err="1"/>
@@ -7508,93 +7405,35 @@
             </a:r>
             <a:r>
               <a:rPr lang="en-US" dirty="0"/>
-              <a:t>-transition: width 2s; /* Safari */</a:t>
-            </a:r>
-            <a:br>
-              <a:rPr lang="en-US" dirty="0"/>
-            </a:br>
-            <a:r>
-              <a:rPr lang="en-US" dirty="0"/>
-              <a:t>    </a:t>
-            </a:r>
-            <a:r>
-              <a:rPr lang="en-US" dirty="0">
+              <a:t>-transition-delay: 1s; /* Safari */</a:t>
+            </a:r>
+          </a:p>
+          <a:p>
+            <a:r>
+              <a:rPr lang="en-US" dirty="0"/>
+              <a:t>    </a:t>
+            </a:r>
+            <a:r>
+              <a:rPr lang="en-US" sz="3000" dirty="0">
                 <a:solidFill>
                   <a:srgbClr val="FF0000"/>
                 </a:solidFill>
               </a:rPr>
-              <a:t>transition:  background 2s;</a:t>
-            </a:r>
-          </a:p>
-          <a:p>
-            <a:pPr>
-              <a:buNone/>
-            </a:pPr>
-            <a:r>
-              <a:rPr lang="en-US" dirty="0">
-                <a:solidFill>
-                  <a:srgbClr val="FF0000"/>
-                </a:solidFill>
-              </a:rPr>
-              <a:t>         transition-delay:4s;</a:t>
-            </a:r>
-            <a:br>
-              <a:rPr lang="en-US" dirty="0"/>
-            </a:br>
-            <a:r>
-              <a:rPr lang="en-US" dirty="0"/>
-              <a:t>}</a:t>
-            </a:r>
-          </a:p>
-          <a:p>
-            <a:r>
-              <a:rPr lang="en-US" dirty="0" err="1"/>
-              <a:t>div:hover</a:t>
-            </a:r>
-            <a:r>
-              <a:rPr lang="en-US" dirty="0"/>
-              <a:t> {</a:t>
-            </a:r>
-            <a:br>
-              <a:rPr lang="en-US" dirty="0"/>
-            </a:br>
-            <a:r>
-              <a:rPr lang="en-US" dirty="0"/>
-              <a:t>    </a:t>
-            </a:r>
-            <a:r>
-              <a:rPr lang="en-US" dirty="0" err="1">
-                <a:solidFill>
-                  <a:srgbClr val="FF0000"/>
-                </a:solidFill>
-              </a:rPr>
-              <a:t>background:blue</a:t>
-            </a:r>
-            <a:r>
-              <a:rPr lang="en-US" dirty="0">
-                <a:solidFill>
-                  <a:srgbClr val="FF0000"/>
-                </a:solidFill>
-              </a:rPr>
-              <a:t>;</a:t>
-            </a:r>
-            <a:br>
-              <a:rPr lang="en-US" dirty="0"/>
-            </a:br>
-            <a:r>
-              <a:rPr lang="en-US" dirty="0"/>
-              <a:t>}</a:t>
-            </a:r>
-          </a:p>
-          <a:p>
-            <a:endParaRPr lang="en-US" dirty="0"/>
+              <a:t>transition-delay: 1s;</a:t>
+            </a:r>
+          </a:p>
+          <a:p>
+            <a:r>
+              <a:rPr lang="en-US" dirty="0"/>
+              <a:t>} </a:t>
+            </a:r>
           </a:p>
         </p:txBody>
       </p:sp>
     </p:spTree>
     <p:extLst>
       <p:ext uri="{BB962C8B-B14F-4D97-AF65-F5344CB8AC3E}">
-        <p14:creationId xmlns:p14="http://schemas.microsoft.com/office/powerpoint/2010/main" val="1713710784"/>
+        <p14:creationId xmlns:p14="http://schemas.microsoft.com/office/powerpoint/2010/main" val="1381205224"/>
       </p:ext>
     </p:extLst>
   </p:cSld>
@@ -7637,9 +7476,10 @@
           <a:lstStyle/>
           <a:p>
             <a:r>
-              <a:rPr lang="en-IN" dirty="0"/>
-              <a:t>Remember these 4 properties to work with transitions</a:t>
-            </a:r>
+              <a:rPr lang="en-US" b="1" dirty="0"/>
+              <a:t>Transition + Transformation</a:t>
+            </a:r>
+            <a:endParaRPr lang="en-US" dirty="0"/>
           </a:p>
         </p:txBody>
       </p:sp>
@@ -7659,34 +7499,70 @@
           <a:lstStyle/>
           <a:p>
             <a:r>
-              <a:rPr lang="en-IN" sz="4000" dirty="0"/>
-              <a:t>transition-property</a:t>
-            </a:r>
-          </a:p>
-          <a:p>
-            <a:r>
-              <a:rPr lang="en-IN" sz="4000" dirty="0"/>
-              <a:t>transitions-duration</a:t>
-            </a:r>
-          </a:p>
-          <a:p>
-            <a:r>
-              <a:rPr lang="en-IN" sz="4000" dirty="0"/>
-              <a:t>transition-delay</a:t>
-            </a:r>
-          </a:p>
-          <a:p>
-            <a:r>
-              <a:rPr lang="en-IN" sz="4000" dirty="0"/>
-              <a:t>transition-timing-function</a:t>
-            </a:r>
-          </a:p>
-          <a:p>
-            <a:endParaRPr lang="en-IN" dirty="0"/>
+              <a:rPr lang="en-US" dirty="0"/>
+              <a:t>The following example also adds a transformation to the transition effect:</a:t>
+            </a:r>
+          </a:p>
+          <a:p>
+            <a:r>
+              <a:rPr lang="en-US" b="1" dirty="0"/>
+              <a:t>Example</a:t>
+            </a:r>
+          </a:p>
+          <a:p>
+            <a:r>
+              <a:rPr lang="en-US" dirty="0"/>
+              <a:t>div {</a:t>
+            </a:r>
+            <a:br>
+              <a:rPr lang="en-US" dirty="0"/>
+            </a:br>
+            <a:r>
+              <a:rPr lang="en-US" dirty="0"/>
+              <a:t>    -</a:t>
+            </a:r>
+            <a:r>
+              <a:rPr lang="en-US" dirty="0" err="1"/>
+              <a:t>webkit</a:t>
+            </a:r>
+            <a:r>
+              <a:rPr lang="en-US" dirty="0"/>
+              <a:t>-transition: width 2s, height 2s, -</a:t>
+            </a:r>
+            <a:r>
+              <a:rPr lang="en-US" dirty="0" err="1"/>
+              <a:t>webkit</a:t>
+            </a:r>
+            <a:r>
+              <a:rPr lang="en-US" dirty="0"/>
+              <a:t>-transform 2s; /* Safari */</a:t>
+            </a:r>
+            <a:br>
+              <a:rPr lang="en-US" dirty="0"/>
+            </a:br>
+            <a:r>
+              <a:rPr lang="en-US" dirty="0"/>
+              <a:t>    transition: width 2s, height 2s, transform 2s;</a:t>
+            </a:r>
+            <a:br>
+              <a:rPr lang="en-US" dirty="0"/>
+            </a:br>
+            <a:r>
+              <a:rPr lang="en-US" dirty="0"/>
+              <a:t>} </a:t>
+            </a:r>
+          </a:p>
+          <a:p>
+            <a:endParaRPr lang="en-US" dirty="0"/>
           </a:p>
         </p:txBody>
       </p:sp>
     </p:spTree>
+    <p:extLst>
+      <p:ext uri="{BB962C8B-B14F-4D97-AF65-F5344CB8AC3E}">
+        <p14:creationId xmlns:p14="http://schemas.microsoft.com/office/powerpoint/2010/main" val="535166272"/>
+      </p:ext>
+    </p:extLst>
   </p:cSld>
   <p:clrMapOvr>
     <a:masterClrMapping/>
@@ -7876,83 +7752,135 @@
             <p:ph type="title"/>
           </p:nvPr>
         </p:nvSpPr>
-        <p:spPr/>
+        <p:spPr>
+          <a:xfrm>
+            <a:off x="256920" y="0"/>
+            <a:ext cx="8596668" cy="483476"/>
+          </a:xfrm>
+        </p:spPr>
+        <p:txBody>
+          <a:bodyPr>
+            <a:normAutofit fontScale="90000"/>
+          </a:bodyPr>
+          <a:lstStyle/>
+          <a:p>
+            <a:r>
+              <a:rPr lang="en-IN" dirty="0"/>
+              <a:t>CSS Animations</a:t>
+            </a:r>
+          </a:p>
+        </p:txBody>
+      </p:sp>
+      <p:sp>
+        <p:nvSpPr>
+          <p:cNvPr id="3" name="Content Placeholder 2"/>
+          <p:cNvSpPr>
+            <a:spLocks noGrp="1"/>
+          </p:cNvSpPr>
+          <p:nvPr>
+            <p:ph idx="1"/>
+          </p:nvPr>
+        </p:nvSpPr>
+        <p:spPr>
+          <a:xfrm>
+            <a:off x="677334" y="746235"/>
+            <a:ext cx="8596668" cy="5295128"/>
+          </a:xfrm>
+        </p:spPr>
         <p:txBody>
           <a:bodyPr/>
           <a:lstStyle/>
           <a:p>
-            <a:endParaRPr lang="en-US"/>
-          </a:p>
-        </p:txBody>
-      </p:sp>
-      <p:sp>
-        <p:nvSpPr>
-          <p:cNvPr id="3" name="Content Placeholder 2"/>
-          <p:cNvSpPr>
-            <a:spLocks noGrp="1"/>
-          </p:cNvSpPr>
-          <p:nvPr>
-            <p:ph idx="1"/>
-          </p:nvPr>
-        </p:nvSpPr>
-        <p:spPr/>
-        <p:txBody>
-          <a:bodyPr/>
-          <a:lstStyle/>
-          <a:p>
-            <a:r>
-              <a:rPr lang="en-US" dirty="0"/>
-              <a:t>div {</a:t>
-            </a:r>
-            <a:br>
-              <a:rPr lang="en-US" dirty="0"/>
-            </a:br>
-            <a:r>
-              <a:rPr lang="en-US" dirty="0"/>
-              <a:t>    -</a:t>
-            </a:r>
-            <a:r>
-              <a:rPr lang="en-US" dirty="0" err="1"/>
-              <a:t>webkit</a:t>
-            </a:r>
-            <a:r>
-              <a:rPr lang="en-US" dirty="0"/>
-              <a:t>-transition: width 2s, height 4s; /* Safari */</a:t>
-            </a:r>
-            <a:br>
-              <a:rPr lang="en-US" dirty="0"/>
-            </a:br>
-            <a:r>
-              <a:rPr lang="en-US" dirty="0"/>
-              <a:t>    </a:t>
-            </a:r>
-            <a:r>
-              <a:rPr lang="en-US" sz="3200" dirty="0">
+            <a:r>
+              <a:rPr lang="en-IN" dirty="0"/>
+              <a:t>An animation lets an element gradually change from one style to another.</a:t>
+            </a:r>
+          </a:p>
+          <a:p>
+            <a:r>
+              <a:rPr lang="en-IN" dirty="0"/>
+              <a:t>You can change as many CSS properties you want, as many times you want.</a:t>
+            </a:r>
+          </a:p>
+          <a:p>
+            <a:r>
+              <a:rPr lang="en-IN" dirty="0"/>
+              <a:t>Basic difference between transitions and animations</a:t>
+            </a:r>
+          </a:p>
+          <a:p>
+            <a:pPr lvl="1"/>
+            <a:r>
+              <a:rPr lang="en-IN" dirty="0"/>
+              <a:t>Transitions require a trigger to start. Ex: on hover</a:t>
+            </a:r>
+          </a:p>
+          <a:p>
+            <a:pPr lvl="1"/>
+            <a:r>
+              <a:rPr lang="en-IN" dirty="0"/>
+              <a:t>Animations do not require one. When the page loads they will automatically start</a:t>
+            </a:r>
+          </a:p>
+          <a:p>
+            <a:pPr lvl="1"/>
+            <a:r>
+              <a:rPr lang="en-IN" dirty="0"/>
+              <a:t>Transitions can only change from one state to another</a:t>
+            </a:r>
+          </a:p>
+          <a:p>
+            <a:pPr lvl="1"/>
+            <a:r>
+              <a:rPr lang="en-IN" dirty="0"/>
+              <a:t>Animations can change from no of intermediate states to final state.</a:t>
+            </a:r>
+          </a:p>
+          <a:p>
+            <a:r>
+              <a:rPr lang="en-IN" dirty="0">
                 <a:solidFill>
                   <a:srgbClr val="FF0000"/>
                 </a:solidFill>
               </a:rPr>
-              <a:t>transition: width 2s, height 4s;</a:t>
-            </a:r>
-            <a:br>
-              <a:rPr lang="en-US" dirty="0"/>
-            </a:br>
-            <a:r>
-              <a:rPr lang="en-US" dirty="0"/>
-              <a:t>} </a:t>
-            </a:r>
-          </a:p>
-          <a:p>
-            <a:endParaRPr lang="en-US" dirty="0"/>
+              <a:t>We write animations under @</a:t>
+            </a:r>
+            <a:r>
+              <a:rPr lang="en-IN" dirty="0" err="1">
+                <a:solidFill>
+                  <a:srgbClr val="FF0000"/>
+                </a:solidFill>
+              </a:rPr>
+              <a:t>keyframes</a:t>
+            </a:r>
+            <a:endParaRPr lang="en-IN" dirty="0">
+              <a:solidFill>
+                <a:srgbClr val="FF0000"/>
+              </a:solidFill>
+            </a:endParaRPr>
+          </a:p>
+          <a:p>
+            <a:r>
+              <a:rPr lang="en-IN" dirty="0"/>
+              <a:t>This rule specifies what styles the element will have at certain times.</a:t>
+            </a:r>
+          </a:p>
+          <a:p>
+            <a:r>
+              <a:rPr lang="en-IN" dirty="0">
+                <a:solidFill>
+                  <a:srgbClr val="FF0000"/>
+                </a:solidFill>
+              </a:rPr>
+              <a:t>Next step is to bind an animations to an element</a:t>
+            </a:r>
+          </a:p>
+          <a:p>
+            <a:endParaRPr lang="en-IN" dirty="0"/>
           </a:p>
         </p:txBody>
       </p:sp>
     </p:spTree>
-    <p:extLst>
-      <p:ext uri="{BB962C8B-B14F-4D97-AF65-F5344CB8AC3E}">
-        <p14:creationId xmlns:p14="http://schemas.microsoft.com/office/powerpoint/2010/main" val="2340823750"/>
-      </p:ext>
-    </p:extLst>
   </p:cSld>
   <p:clrMapOvr>
     <a:masterClrMapping/>
@@ -7979,6 +7907,28 @@
       </p:grpSpPr>
       <p:sp>
         <p:nvSpPr>
+          <p:cNvPr id="2" name="Title 1"/>
+          <p:cNvSpPr>
+            <a:spLocks noGrp="1"/>
+          </p:cNvSpPr>
+          <p:nvPr>
+            <p:ph type="title"/>
+          </p:nvPr>
+        </p:nvSpPr>
+        <p:spPr/>
+        <p:txBody>
+          <a:bodyPr/>
+          <a:lstStyle/>
+          <a:p>
+            <a:r>
+              <a:rPr lang="en-IN" dirty="0"/>
+              <a:t>Remember these properties to work with animations</a:t>
+            </a:r>
+          </a:p>
+        </p:txBody>
+      </p:sp>
+      <p:sp>
+        <p:nvSpPr>
           <p:cNvPr id="3" name="Content Placeholder 2"/>
           <p:cNvSpPr>
             <a:spLocks noGrp="1"/>
@@ -7987,103 +7937,64 @@
             <p:ph idx="1"/>
           </p:nvPr>
         </p:nvSpPr>
-        <p:spPr>
-          <a:xfrm>
-            <a:off x="126615" y="290945"/>
-            <a:ext cx="10929311" cy="6442364"/>
-          </a:xfrm>
-        </p:spPr>
-        <p:txBody>
-          <a:bodyPr>
-            <a:normAutofit/>
-          </a:bodyPr>
+        <p:spPr/>
+        <p:txBody>
+          <a:bodyPr/>
           <a:lstStyle/>
           <a:p>
             <a:r>
-              <a:rPr lang="en-US" dirty="0"/>
-              <a:t>The transition-timing-function property specifies the speed curve of the transition effect.</a:t>
-            </a:r>
-          </a:p>
-          <a:p>
-            <a:endParaRPr lang="en-US" dirty="0"/>
-          </a:p>
-          <a:p>
-            <a:r>
-              <a:rPr lang="en-US" dirty="0"/>
-              <a:t>The transition-timing-function property can have the following values:</a:t>
-            </a:r>
-          </a:p>
-          <a:p>
-            <a:pPr marL="0" indent="0">
-              <a:buNone/>
-            </a:pPr>
-            <a:endParaRPr lang="en-US" dirty="0"/>
-          </a:p>
-          <a:p>
-            <a:r>
-              <a:rPr lang="en-US" dirty="0"/>
-              <a:t>•</a:t>
-            </a:r>
-            <a:r>
-              <a:rPr lang="en-US" sz="2800" dirty="0">
-                <a:solidFill>
-                  <a:srgbClr val="FF0000"/>
-                </a:solidFill>
-              </a:rPr>
-              <a:t>ease - specifies a transition effect with a slow start, then fast, then end slowly (this is default)</a:t>
-            </a:r>
-          </a:p>
-          <a:p>
-            <a:r>
-              <a:rPr lang="en-US" sz="2800" dirty="0">
-                <a:solidFill>
-                  <a:srgbClr val="FF0000"/>
-                </a:solidFill>
-              </a:rPr>
-              <a:t>•linear - specifies a transition effect with the same speed from start to end</a:t>
-            </a:r>
-          </a:p>
-          <a:p>
-            <a:r>
-              <a:rPr lang="en-US" sz="2800" dirty="0">
-                <a:solidFill>
-                  <a:srgbClr val="FF0000"/>
-                </a:solidFill>
-              </a:rPr>
-              <a:t>•ease-in - specifies a transition effect with a slow start</a:t>
-            </a:r>
-          </a:p>
-          <a:p>
-            <a:r>
-              <a:rPr lang="en-US" sz="2800" dirty="0">
-                <a:solidFill>
-                  <a:srgbClr val="FF0000"/>
-                </a:solidFill>
-              </a:rPr>
-              <a:t>•ease-out - specifies a transition effect with a slow end</a:t>
-            </a:r>
-          </a:p>
-          <a:p>
-            <a:r>
-              <a:rPr lang="en-US" sz="2800" dirty="0">
-                <a:solidFill>
-                  <a:srgbClr val="FF0000"/>
-                </a:solidFill>
-              </a:rPr>
-              <a:t>•ease-in-out - specifies a transition effect with a slow start and end</a:t>
-            </a:r>
-          </a:p>
-          <a:p>
-            <a:endParaRPr lang="en-US" dirty="0"/>
+              <a:rPr lang="en-IN" dirty="0"/>
+              <a:t>animation-name</a:t>
+            </a:r>
+          </a:p>
+          <a:p>
+            <a:r>
+              <a:rPr lang="en-IN" dirty="0"/>
+              <a:t>animation-duration</a:t>
+            </a:r>
+          </a:p>
+          <a:p>
+            <a:r>
+              <a:rPr lang="en-IN" dirty="0"/>
+              <a:t>animation-delay</a:t>
+            </a:r>
+          </a:p>
+          <a:p>
+            <a:r>
+              <a:rPr lang="en-IN" dirty="0"/>
+              <a:t>animation-iteration-count</a:t>
+            </a:r>
+          </a:p>
+          <a:p>
+            <a:r>
+              <a:rPr lang="en-IN" dirty="0"/>
+              <a:t>animation-direction</a:t>
+            </a:r>
+          </a:p>
+          <a:p>
+            <a:r>
+              <a:rPr lang="en-IN" dirty="0"/>
+              <a:t>animation-timing-function</a:t>
+            </a:r>
+          </a:p>
+          <a:p>
+            <a:r>
+              <a:rPr lang="en-IN" dirty="0"/>
+              <a:t>animation-fill-mode</a:t>
+            </a:r>
+          </a:p>
+          <a:p>
+            <a:r>
+              <a:rPr lang="en-IN" dirty="0"/>
+              <a:t>animation</a:t>
+            </a:r>
+          </a:p>
+          <a:p>
+            <a:endParaRPr lang="en-IN" dirty="0"/>
           </a:p>
         </p:txBody>
       </p:sp>
     </p:spTree>
-    <p:extLst>
-      <p:ext uri="{BB962C8B-B14F-4D97-AF65-F5344CB8AC3E}">
-        <p14:creationId xmlns:p14="http://schemas.microsoft.com/office/powerpoint/2010/main" val="1558383595"/>
-      </p:ext>
-    </p:extLst>
   </p:cSld>
   <p:clrMapOvr>
     <a:masterClrMapping/>
@@ -8092,547 +8003,6 @@
 </file>
 
 <file path=ppt/slides/slide22.xml><?xml version="1.0" encoding="utf-8"?>
-<p:sld xmlns:a="http://schemas.openxmlformats.org/drawingml/2006/main" xmlns:r="http://schemas.openxmlformats.org/officeDocument/2006/relationships" xmlns:p="http://schemas.openxmlformats.org/presentationml/2006/main">
-  <p:cSld>
-    <p:spTree>
-      <p:nvGrpSpPr>
-        <p:cNvPr id="1" name=""/>
-        <p:cNvGrpSpPr/>
-        <p:nvPr/>
-      </p:nvGrpSpPr>
-      <p:grpSpPr>
-        <a:xfrm>
-          <a:off x="0" y="0"/>
-          <a:ext cx="0" cy="0"/>
-          <a:chOff x="0" y="0"/>
-          <a:chExt cx="0" cy="0"/>
-        </a:xfrm>
-      </p:grpSpPr>
-      <p:sp>
-        <p:nvSpPr>
-          <p:cNvPr id="2" name="Title 1"/>
-          <p:cNvSpPr>
-            <a:spLocks noGrp="1"/>
-          </p:cNvSpPr>
-          <p:nvPr>
-            <p:ph type="title"/>
-          </p:nvPr>
-        </p:nvSpPr>
-        <p:spPr/>
-        <p:txBody>
-          <a:bodyPr/>
-          <a:lstStyle/>
-          <a:p>
-            <a:endParaRPr lang="en-US"/>
-          </a:p>
-        </p:txBody>
-      </p:sp>
-      <p:sp>
-        <p:nvSpPr>
-          <p:cNvPr id="3" name="Content Placeholder 2"/>
-          <p:cNvSpPr>
-            <a:spLocks noGrp="1"/>
-          </p:cNvSpPr>
-          <p:nvPr>
-            <p:ph idx="1"/>
-          </p:nvPr>
-        </p:nvSpPr>
-        <p:spPr/>
-        <p:txBody>
-          <a:bodyPr>
-            <a:normAutofit fontScale="85000" lnSpcReduction="10000"/>
-          </a:bodyPr>
-          <a:lstStyle/>
-          <a:p>
-            <a:r>
-              <a:rPr lang="en-US" dirty="0"/>
-              <a:t>The transition-delay property specifies a delay (in seconds) for the transition effect.</a:t>
-            </a:r>
-          </a:p>
-          <a:p>
-            <a:endParaRPr lang="en-US" dirty="0"/>
-          </a:p>
-          <a:p>
-            <a:r>
-              <a:rPr lang="en-US" dirty="0"/>
-              <a:t>The following example has a 1 second delay before starting:</a:t>
-            </a:r>
-          </a:p>
-          <a:p>
-            <a:endParaRPr lang="en-US" dirty="0"/>
-          </a:p>
-          <a:p>
-            <a:endParaRPr lang="en-US" dirty="0"/>
-          </a:p>
-          <a:p>
-            <a:r>
-              <a:rPr lang="en-US" dirty="0"/>
-              <a:t>Example</a:t>
-            </a:r>
-          </a:p>
-          <a:p>
-            <a:endParaRPr lang="en-US" dirty="0"/>
-          </a:p>
-          <a:p>
-            <a:r>
-              <a:rPr lang="en-US" dirty="0"/>
-              <a:t> div {</a:t>
-            </a:r>
-          </a:p>
-          <a:p>
-            <a:r>
-              <a:rPr lang="en-US" dirty="0"/>
-              <a:t>    -</a:t>
-            </a:r>
-            <a:r>
-              <a:rPr lang="en-US" dirty="0" err="1"/>
-              <a:t>webkit</a:t>
-            </a:r>
-            <a:r>
-              <a:rPr lang="en-US" dirty="0"/>
-              <a:t>-transition-delay: 1s; /* Safari */</a:t>
-            </a:r>
-          </a:p>
-          <a:p>
-            <a:r>
-              <a:rPr lang="en-US" dirty="0"/>
-              <a:t>    </a:t>
-            </a:r>
-            <a:r>
-              <a:rPr lang="en-US" sz="3000" dirty="0">
-                <a:solidFill>
-                  <a:srgbClr val="FF0000"/>
-                </a:solidFill>
-              </a:rPr>
-              <a:t>transition-delay: 1s;</a:t>
-            </a:r>
-          </a:p>
-          <a:p>
-            <a:r>
-              <a:rPr lang="en-US" dirty="0"/>
-              <a:t>} </a:t>
-            </a:r>
-          </a:p>
-        </p:txBody>
-      </p:sp>
-    </p:spTree>
-    <p:extLst>
-      <p:ext uri="{BB962C8B-B14F-4D97-AF65-F5344CB8AC3E}">
-        <p14:creationId xmlns:p14="http://schemas.microsoft.com/office/powerpoint/2010/main" val="1381205224"/>
-      </p:ext>
-    </p:extLst>
-  </p:cSld>
-  <p:clrMapOvr>
-    <a:masterClrMapping/>
-  </p:clrMapOvr>
-</p:sld>
-</file>
-
-<file path=ppt/slides/slide23.xml><?xml version="1.0" encoding="utf-8"?>
-<p:sld xmlns:a="http://schemas.openxmlformats.org/drawingml/2006/main" xmlns:r="http://schemas.openxmlformats.org/officeDocument/2006/relationships" xmlns:p="http://schemas.openxmlformats.org/presentationml/2006/main">
-  <p:cSld>
-    <p:spTree>
-      <p:nvGrpSpPr>
-        <p:cNvPr id="1" name=""/>
-        <p:cNvGrpSpPr/>
-        <p:nvPr/>
-      </p:nvGrpSpPr>
-      <p:grpSpPr>
-        <a:xfrm>
-          <a:off x="0" y="0"/>
-          <a:ext cx="0" cy="0"/>
-          <a:chOff x="0" y="0"/>
-          <a:chExt cx="0" cy="0"/>
-        </a:xfrm>
-      </p:grpSpPr>
-      <p:sp>
-        <p:nvSpPr>
-          <p:cNvPr id="2" name="Title 1"/>
-          <p:cNvSpPr>
-            <a:spLocks noGrp="1"/>
-          </p:cNvSpPr>
-          <p:nvPr>
-            <p:ph type="title"/>
-          </p:nvPr>
-        </p:nvSpPr>
-        <p:spPr/>
-        <p:txBody>
-          <a:bodyPr/>
-          <a:lstStyle/>
-          <a:p>
-            <a:r>
-              <a:rPr lang="en-US" b="1" dirty="0"/>
-              <a:t>Transition + Transformation</a:t>
-            </a:r>
-            <a:endParaRPr lang="en-US" dirty="0"/>
-          </a:p>
-        </p:txBody>
-      </p:sp>
-      <p:sp>
-        <p:nvSpPr>
-          <p:cNvPr id="3" name="Content Placeholder 2"/>
-          <p:cNvSpPr>
-            <a:spLocks noGrp="1"/>
-          </p:cNvSpPr>
-          <p:nvPr>
-            <p:ph idx="1"/>
-          </p:nvPr>
-        </p:nvSpPr>
-        <p:spPr/>
-        <p:txBody>
-          <a:bodyPr/>
-          <a:lstStyle/>
-          <a:p>
-            <a:r>
-              <a:rPr lang="en-US" dirty="0"/>
-              <a:t>The following example also adds a transformation to the transition effect:</a:t>
-            </a:r>
-          </a:p>
-          <a:p>
-            <a:r>
-              <a:rPr lang="en-US" b="1" dirty="0"/>
-              <a:t>Example</a:t>
-            </a:r>
-          </a:p>
-          <a:p>
-            <a:r>
-              <a:rPr lang="en-US" dirty="0"/>
-              <a:t>div {</a:t>
-            </a:r>
-            <a:br>
-              <a:rPr lang="en-US" dirty="0"/>
-            </a:br>
-            <a:r>
-              <a:rPr lang="en-US" dirty="0"/>
-              <a:t>    -</a:t>
-            </a:r>
-            <a:r>
-              <a:rPr lang="en-US" dirty="0" err="1"/>
-              <a:t>webkit</a:t>
-            </a:r>
-            <a:r>
-              <a:rPr lang="en-US" dirty="0"/>
-              <a:t>-transition: width 2s, height 2s, -</a:t>
-            </a:r>
-            <a:r>
-              <a:rPr lang="en-US" dirty="0" err="1"/>
-              <a:t>webkit</a:t>
-            </a:r>
-            <a:r>
-              <a:rPr lang="en-US" dirty="0"/>
-              <a:t>-transform 2s; /* Safari */</a:t>
-            </a:r>
-            <a:br>
-              <a:rPr lang="en-US" dirty="0"/>
-            </a:br>
-            <a:r>
-              <a:rPr lang="en-US" dirty="0"/>
-              <a:t>    transition: width 2s, height 2s, transform 2s;</a:t>
-            </a:r>
-            <a:br>
-              <a:rPr lang="en-US" dirty="0"/>
-            </a:br>
-            <a:r>
-              <a:rPr lang="en-US" dirty="0"/>
-              <a:t>} </a:t>
-            </a:r>
-          </a:p>
-          <a:p>
-            <a:endParaRPr lang="en-US" dirty="0"/>
-          </a:p>
-        </p:txBody>
-      </p:sp>
-    </p:spTree>
-    <p:extLst>
-      <p:ext uri="{BB962C8B-B14F-4D97-AF65-F5344CB8AC3E}">
-        <p14:creationId xmlns:p14="http://schemas.microsoft.com/office/powerpoint/2010/main" val="535166272"/>
-      </p:ext>
-    </p:extLst>
-  </p:cSld>
-  <p:clrMapOvr>
-    <a:masterClrMapping/>
-  </p:clrMapOvr>
-</p:sld>
-</file>
-
-<file path=ppt/slides/slide24.xml><?xml version="1.0" encoding="utf-8"?>
-<p:sld xmlns:a="http://schemas.openxmlformats.org/drawingml/2006/main" xmlns:r="http://schemas.openxmlformats.org/officeDocument/2006/relationships" xmlns:p="http://schemas.openxmlformats.org/presentationml/2006/main">
-  <p:cSld>
-    <p:spTree>
-      <p:nvGrpSpPr>
-        <p:cNvPr id="1" name=""/>
-        <p:cNvGrpSpPr/>
-        <p:nvPr/>
-      </p:nvGrpSpPr>
-      <p:grpSpPr>
-        <a:xfrm>
-          <a:off x="0" y="0"/>
-          <a:ext cx="0" cy="0"/>
-          <a:chOff x="0" y="0"/>
-          <a:chExt cx="0" cy="0"/>
-        </a:xfrm>
-      </p:grpSpPr>
-      <p:sp>
-        <p:nvSpPr>
-          <p:cNvPr id="2" name="Title 1"/>
-          <p:cNvSpPr>
-            <a:spLocks noGrp="1"/>
-          </p:cNvSpPr>
-          <p:nvPr>
-            <p:ph type="title"/>
-          </p:nvPr>
-        </p:nvSpPr>
-        <p:spPr>
-          <a:xfrm>
-            <a:off x="256920" y="0"/>
-            <a:ext cx="8596668" cy="483476"/>
-          </a:xfrm>
-        </p:spPr>
-        <p:txBody>
-          <a:bodyPr>
-            <a:normAutofit fontScale="90000"/>
-          </a:bodyPr>
-          <a:lstStyle/>
-          <a:p>
-            <a:r>
-              <a:rPr lang="en-IN" dirty="0"/>
-              <a:t>CSS Animations</a:t>
-            </a:r>
-          </a:p>
-        </p:txBody>
-      </p:sp>
-      <p:sp>
-        <p:nvSpPr>
-          <p:cNvPr id="3" name="Content Placeholder 2"/>
-          <p:cNvSpPr>
-            <a:spLocks noGrp="1"/>
-          </p:cNvSpPr>
-          <p:nvPr>
-            <p:ph idx="1"/>
-          </p:nvPr>
-        </p:nvSpPr>
-        <p:spPr>
-          <a:xfrm>
-            <a:off x="677334" y="746235"/>
-            <a:ext cx="8596668" cy="5295128"/>
-          </a:xfrm>
-        </p:spPr>
-        <p:txBody>
-          <a:bodyPr/>
-          <a:lstStyle/>
-          <a:p>
-            <a:r>
-              <a:rPr lang="en-IN" dirty="0"/>
-              <a:t>An animation lets an element gradually change from one style to another.</a:t>
-            </a:r>
-          </a:p>
-          <a:p>
-            <a:r>
-              <a:rPr lang="en-IN" dirty="0"/>
-              <a:t>You can change as many CSS properties you want, as many times you want.</a:t>
-            </a:r>
-          </a:p>
-          <a:p>
-            <a:r>
-              <a:rPr lang="en-IN" dirty="0"/>
-              <a:t>Basic difference between transitions and animations</a:t>
-            </a:r>
-          </a:p>
-          <a:p>
-            <a:pPr lvl="1"/>
-            <a:r>
-              <a:rPr lang="en-IN" dirty="0"/>
-              <a:t>Transitions require a trigger to start. Ex: on hover</a:t>
-            </a:r>
-          </a:p>
-          <a:p>
-            <a:pPr lvl="1"/>
-            <a:r>
-              <a:rPr lang="en-IN" dirty="0"/>
-              <a:t>Animations do not require one. When the page loads they will automatically start</a:t>
-            </a:r>
-          </a:p>
-          <a:p>
-            <a:pPr lvl="1"/>
-            <a:r>
-              <a:rPr lang="en-IN" dirty="0"/>
-              <a:t>Transitions can only change from one state to another</a:t>
-            </a:r>
-          </a:p>
-          <a:p>
-            <a:pPr lvl="1"/>
-            <a:r>
-              <a:rPr lang="en-IN" dirty="0"/>
-              <a:t>Animations can change from no of intermediate states to final state.</a:t>
-            </a:r>
-          </a:p>
-          <a:p>
-            <a:r>
-              <a:rPr lang="en-IN" dirty="0">
-                <a:solidFill>
-                  <a:srgbClr val="FF0000"/>
-                </a:solidFill>
-              </a:rPr>
-              <a:t>We write animations under @</a:t>
-            </a:r>
-            <a:r>
-              <a:rPr lang="en-IN" dirty="0" err="1">
-                <a:solidFill>
-                  <a:srgbClr val="FF0000"/>
-                </a:solidFill>
-              </a:rPr>
-              <a:t>keyframes</a:t>
-            </a:r>
-            <a:endParaRPr lang="en-IN" dirty="0">
-              <a:solidFill>
-                <a:srgbClr val="FF0000"/>
-              </a:solidFill>
-            </a:endParaRPr>
-          </a:p>
-          <a:p>
-            <a:r>
-              <a:rPr lang="en-IN" dirty="0"/>
-              <a:t>This rule specifies what styles the element will have at certain times.</a:t>
-            </a:r>
-          </a:p>
-          <a:p>
-            <a:r>
-              <a:rPr lang="en-IN" dirty="0">
-                <a:solidFill>
-                  <a:srgbClr val="FF0000"/>
-                </a:solidFill>
-              </a:rPr>
-              <a:t>Next step is to bind an animations to an element</a:t>
-            </a:r>
-          </a:p>
-          <a:p>
-            <a:endParaRPr lang="en-IN" dirty="0"/>
-          </a:p>
-        </p:txBody>
-      </p:sp>
-    </p:spTree>
-  </p:cSld>
-  <p:clrMapOvr>
-    <a:masterClrMapping/>
-  </p:clrMapOvr>
-</p:sld>
-</file>
-
-<file path=ppt/slides/slide25.xml><?xml version="1.0" encoding="utf-8"?>
-<p:sld xmlns:a="http://schemas.openxmlformats.org/drawingml/2006/main" xmlns:r="http://schemas.openxmlformats.org/officeDocument/2006/relationships" xmlns:p="http://schemas.openxmlformats.org/presentationml/2006/main">
-  <p:cSld>
-    <p:spTree>
-      <p:nvGrpSpPr>
-        <p:cNvPr id="1" name=""/>
-        <p:cNvGrpSpPr/>
-        <p:nvPr/>
-      </p:nvGrpSpPr>
-      <p:grpSpPr>
-        <a:xfrm>
-          <a:off x="0" y="0"/>
-          <a:ext cx="0" cy="0"/>
-          <a:chOff x="0" y="0"/>
-          <a:chExt cx="0" cy="0"/>
-        </a:xfrm>
-      </p:grpSpPr>
-      <p:sp>
-        <p:nvSpPr>
-          <p:cNvPr id="2" name="Title 1"/>
-          <p:cNvSpPr>
-            <a:spLocks noGrp="1"/>
-          </p:cNvSpPr>
-          <p:nvPr>
-            <p:ph type="title"/>
-          </p:nvPr>
-        </p:nvSpPr>
-        <p:spPr/>
-        <p:txBody>
-          <a:bodyPr/>
-          <a:lstStyle/>
-          <a:p>
-            <a:r>
-              <a:rPr lang="en-IN" dirty="0"/>
-              <a:t>Remember these properties to work with animations</a:t>
-            </a:r>
-          </a:p>
-        </p:txBody>
-      </p:sp>
-      <p:sp>
-        <p:nvSpPr>
-          <p:cNvPr id="3" name="Content Placeholder 2"/>
-          <p:cNvSpPr>
-            <a:spLocks noGrp="1"/>
-          </p:cNvSpPr>
-          <p:nvPr>
-            <p:ph idx="1"/>
-          </p:nvPr>
-        </p:nvSpPr>
-        <p:spPr/>
-        <p:txBody>
-          <a:bodyPr/>
-          <a:lstStyle/>
-          <a:p>
-            <a:r>
-              <a:rPr lang="en-IN" dirty="0"/>
-              <a:t>animation-name</a:t>
-            </a:r>
-          </a:p>
-          <a:p>
-            <a:r>
-              <a:rPr lang="en-IN" dirty="0"/>
-              <a:t>animation-duration</a:t>
-            </a:r>
-          </a:p>
-          <a:p>
-            <a:r>
-              <a:rPr lang="en-IN" dirty="0"/>
-              <a:t>animation-delay</a:t>
-            </a:r>
-          </a:p>
-          <a:p>
-            <a:r>
-              <a:rPr lang="en-IN" dirty="0"/>
-              <a:t>animation-iteration-count</a:t>
-            </a:r>
-          </a:p>
-          <a:p>
-            <a:r>
-              <a:rPr lang="en-IN" dirty="0"/>
-              <a:t>animation-direction</a:t>
-            </a:r>
-          </a:p>
-          <a:p>
-            <a:r>
-              <a:rPr lang="en-IN" dirty="0"/>
-              <a:t>animation-timing-function</a:t>
-            </a:r>
-          </a:p>
-          <a:p>
-            <a:r>
-              <a:rPr lang="en-IN" dirty="0"/>
-              <a:t>animation-fill-mode</a:t>
-            </a:r>
-          </a:p>
-          <a:p>
-            <a:r>
-              <a:rPr lang="en-IN" dirty="0"/>
-              <a:t>animation</a:t>
-            </a:r>
-          </a:p>
-          <a:p>
-            <a:endParaRPr lang="en-IN" dirty="0"/>
-          </a:p>
-        </p:txBody>
-      </p:sp>
-    </p:spTree>
-  </p:cSld>
-  <p:clrMapOvr>
-    <a:masterClrMapping/>
-  </p:clrMapOvr>
-</p:sld>
-</file>
-
-<file path=ppt/slides/slide26.xml><?xml version="1.0" encoding="utf-8"?>
 <p:sld xmlns:a="http://schemas.openxmlformats.org/drawingml/2006/main" xmlns:r="http://schemas.openxmlformats.org/officeDocument/2006/relationships" xmlns:p="http://schemas.openxmlformats.org/presentationml/2006/main">
   <p:cSld>
     <p:spTree>
@@ -9557,7 +8927,7 @@
 </p:sld>
 </file>
 
-<file path=ppt/slides/slide27.xml><?xml version="1.0" encoding="utf-8"?>
+<file path=ppt/slides/slide23.xml><?xml version="1.0" encoding="utf-8"?>
 <p:sld xmlns:a="http://schemas.openxmlformats.org/drawingml/2006/main" xmlns:r="http://schemas.openxmlformats.org/officeDocument/2006/relationships" xmlns:p="http://schemas.openxmlformats.org/presentationml/2006/main">
   <p:cSld>
     <p:spTree>
@@ -9912,194 +9282,136 @@
       </p:grpSpPr>
       <p:sp>
         <p:nvSpPr>
-          <p:cNvPr id="2" name="Title 1"/>
-          <p:cNvSpPr>
-            <a:spLocks noGrp="1"/>
-          </p:cNvSpPr>
-          <p:nvPr>
-            <p:ph type="title"/>
+          <p:cNvPr id="3" name="Content Placeholder 2"/>
+          <p:cNvSpPr>
+            <a:spLocks noGrp="1"/>
+          </p:cNvSpPr>
+          <p:nvPr>
+            <p:ph idx="1"/>
           </p:nvPr>
         </p:nvSpPr>
         <p:spPr>
           <a:xfrm>
-            <a:off x="677334" y="235527"/>
-            <a:ext cx="8596668" cy="564573"/>
+            <a:off x="0" y="1"/>
+            <a:ext cx="12192000" cy="6982690"/>
           </a:xfrm>
         </p:spPr>
         <p:txBody>
           <a:bodyPr>
-            <a:normAutofit fontScale="90000"/>
+            <a:noAutofit/>
           </a:bodyPr>
           <a:lstStyle/>
           <a:p>
             <a:r>
-              <a:rPr lang="en-US" dirty="0"/>
-              <a:t>Examples</a:t>
-            </a:r>
-          </a:p>
-        </p:txBody>
-      </p:sp>
-      <p:sp>
-        <p:nvSpPr>
-          <p:cNvPr id="3" name="Content Placeholder 2"/>
-          <p:cNvSpPr>
-            <a:spLocks noGrp="1"/>
-          </p:cNvSpPr>
-          <p:nvPr>
-            <p:ph idx="1"/>
-          </p:nvPr>
-        </p:nvSpPr>
-        <p:spPr>
-          <a:xfrm>
-            <a:off x="677334" y="1174173"/>
-            <a:ext cx="8596668" cy="5683827"/>
-          </a:xfrm>
-        </p:spPr>
-        <p:txBody>
-          <a:bodyPr>
-            <a:normAutofit fontScale="92500" lnSpcReduction="10000"/>
-          </a:bodyPr>
-          <a:lstStyle/>
-          <a:p>
-            <a:r>
-              <a:rPr lang="en-US" dirty="0"/>
-              <a:t>p {</a:t>
-            </a:r>
-            <a:br>
-              <a:rPr lang="en-US" dirty="0"/>
-            </a:br>
-            <a:r>
-              <a:rPr lang="en-US" dirty="0"/>
-              <a:t>    margin: 25px 50px 75px;</a:t>
-            </a:r>
-            <a:br>
-              <a:rPr lang="en-US" dirty="0"/>
-            </a:br>
-            <a:r>
-              <a:rPr lang="en-US" dirty="0"/>
-              <a:t>} </a:t>
-            </a:r>
-          </a:p>
-          <a:p>
-            <a:r>
-              <a:rPr lang="en-US" dirty="0"/>
-              <a:t>p {</a:t>
-            </a:r>
-            <a:br>
-              <a:rPr lang="en-US" dirty="0"/>
-            </a:br>
-            <a:r>
-              <a:rPr lang="en-US" dirty="0"/>
-              <a:t>    margin: 25px 50px;</a:t>
-            </a:r>
-            <a:br>
-              <a:rPr lang="en-US" dirty="0"/>
-            </a:br>
-            <a:r>
-              <a:rPr lang="en-US" dirty="0"/>
-              <a:t>} </a:t>
-            </a:r>
-          </a:p>
-          <a:p>
-            <a:r>
-              <a:rPr lang="en-US" b="1" dirty="0"/>
-              <a:t>margin: 25px;</a:t>
-            </a:r>
-          </a:p>
-          <a:p>
-            <a:r>
-              <a:rPr lang="en-US" dirty="0"/>
-              <a:t>div {</a:t>
-            </a:r>
-            <a:br>
-              <a:rPr lang="en-US" dirty="0"/>
-            </a:br>
-            <a:r>
-              <a:rPr lang="en-US" dirty="0"/>
-              <a:t>    width: 300px;</a:t>
-            </a:r>
-            <a:br>
-              <a:rPr lang="en-US" dirty="0"/>
-            </a:br>
-            <a:r>
-              <a:rPr lang="en-US" dirty="0"/>
-              <a:t>    margin: auto;</a:t>
-            </a:r>
-            <a:br>
-              <a:rPr lang="en-US" dirty="0"/>
-            </a:br>
-            <a:r>
-              <a:rPr lang="en-US" dirty="0"/>
-              <a:t>    border: 1px solid red;</a:t>
-            </a:r>
-            <a:br>
-              <a:rPr lang="en-US" dirty="0"/>
-            </a:br>
-            <a:r>
-              <a:rPr lang="en-US" dirty="0"/>
-              <a:t>} </a:t>
-            </a:r>
-          </a:p>
-          <a:p>
-            <a:r>
-              <a:rPr lang="en-US" dirty="0"/>
-              <a:t>div {</a:t>
-            </a:r>
-            <a:br>
-              <a:rPr lang="en-US" dirty="0"/>
-            </a:br>
-            <a:r>
-              <a:rPr lang="en-US" dirty="0"/>
-              <a:t>    border: 1px solid red;</a:t>
-            </a:r>
-            <a:br>
-              <a:rPr lang="en-US" dirty="0"/>
-            </a:br>
-            <a:r>
-              <a:rPr lang="en-US" dirty="0"/>
-              <a:t>    margin-left: 100px;</a:t>
-            </a:r>
-            <a:br>
-              <a:rPr lang="en-US" dirty="0"/>
-            </a:br>
-            <a:r>
-              <a:rPr lang="en-US" dirty="0"/>
+              <a:rPr lang="en-US" sz="2000" dirty="0"/>
+              <a:t>&lt;head&gt;</a:t>
+            </a:r>
+          </a:p>
+          <a:p>
+            <a:r>
+              <a:rPr lang="en-US" sz="2000" dirty="0"/>
+              <a:t>&lt;style&gt;</a:t>
+            </a:r>
+          </a:p>
+          <a:p>
+            <a:r>
+              <a:rPr lang="en-US" sz="2000" dirty="0" err="1"/>
+              <a:t>ul</a:t>
+            </a:r>
+            <a:r>
+              <a:rPr lang="en-US" sz="2000" dirty="0"/>
+              <a:t> {</a:t>
+            </a:r>
+          </a:p>
+          <a:p>
+            <a:r>
+              <a:rPr lang="en-US" sz="2000" dirty="0"/>
+              <a:t>    list-style-type&lt;html&gt;</a:t>
+            </a:r>
+          </a:p>
+          <a:p>
+            <a:r>
+              <a:rPr lang="en-US" sz="2000" dirty="0"/>
+              <a:t>: none;</a:t>
+            </a:r>
+          </a:p>
+          <a:p>
+            <a:r>
+              <a:rPr lang="en-US" sz="2000" dirty="0"/>
+              <a:t>    margin: 0;</a:t>
+            </a:r>
+          </a:p>
+          <a:p>
+            <a:r>
+              <a:rPr lang="en-US" sz="2000" dirty="0"/>
+              <a:t>    padding: 0;</a:t>
+            </a:r>
+          </a:p>
+          <a:p>
+            <a:r>
+              <a:rPr lang="en-US" sz="2000" dirty="0"/>
               <a:t>}</a:t>
             </a:r>
-            <a:br>
-              <a:rPr lang="en-US" dirty="0"/>
-            </a:br>
-            <a:br>
-              <a:rPr lang="en-US" dirty="0"/>
-            </a:br>
-            <a:r>
-              <a:rPr lang="en-US" dirty="0"/>
-              <a:t>p.ex1 {</a:t>
-            </a:r>
-            <a:br>
-              <a:rPr lang="en-US" dirty="0"/>
-            </a:br>
-            <a:r>
-              <a:rPr lang="en-US" dirty="0"/>
-              <a:t>    margin-left: inherit;</a:t>
-            </a:r>
-            <a:br>
-              <a:rPr lang="en-US" dirty="0"/>
-            </a:br>
-            <a:r>
-              <a:rPr lang="en-US" dirty="0"/>
-              <a:t>} </a:t>
-            </a:r>
-          </a:p>
-          <a:p>
-            <a:endParaRPr lang="en-US" dirty="0"/>
+          </a:p>
+          <a:p>
+            <a:endParaRPr lang="en-US" sz="2000" dirty="0"/>
+          </a:p>
+          <a:p>
+            <a:r>
+              <a:rPr lang="en-US" sz="2000" dirty="0"/>
+              <a:t>li a {</a:t>
+            </a:r>
+          </a:p>
+          <a:p>
+            <a:r>
+              <a:rPr lang="en-US" sz="2000" dirty="0"/>
+              <a:t>    display: block;</a:t>
+            </a:r>
+          </a:p>
+          <a:p>
+            <a:r>
+              <a:rPr lang="en-US" sz="2000" dirty="0"/>
+              <a:t>    width: 60px;</a:t>
+            </a:r>
+          </a:p>
+          <a:p>
+            <a:r>
+              <a:rPr lang="en-US" sz="2000" dirty="0"/>
+              <a:t>    background-color: #</a:t>
+            </a:r>
+            <a:r>
+              <a:rPr lang="en-US" sz="2000" dirty="0" err="1"/>
+              <a:t>dddddd</a:t>
+            </a:r>
+            <a:r>
+              <a:rPr lang="en-US" sz="2000" dirty="0"/>
+              <a:t>;</a:t>
+            </a:r>
+          </a:p>
+          <a:p>
+            <a:r>
+              <a:rPr lang="en-US" sz="2000" dirty="0"/>
+              <a:t>}</a:t>
+            </a:r>
+          </a:p>
+          <a:p>
+            <a:r>
+              <a:rPr lang="en-US" sz="2000" dirty="0"/>
+              <a:t>&lt;/style&gt;</a:t>
+            </a:r>
+          </a:p>
+          <a:p>
+            <a:r>
+              <a:rPr lang="en-US" sz="2000" dirty="0"/>
+              <a:t>&lt;/head&gt;</a:t>
+            </a:r>
           </a:p>
         </p:txBody>
       </p:sp>
     </p:spTree>
     <p:extLst>
       <p:ext uri="{BB962C8B-B14F-4D97-AF65-F5344CB8AC3E}">
-        <p14:creationId xmlns:p14="http://schemas.microsoft.com/office/powerpoint/2010/main" val="2139246538"/>
+        <p14:creationId xmlns:p14="http://schemas.microsoft.com/office/powerpoint/2010/main" val="2134941112"/>
       </p:ext>
     </p:extLst>
   </p:cSld>
@@ -10128,194 +9440,218 @@
       </p:grpSpPr>
       <p:sp>
         <p:nvSpPr>
-          <p:cNvPr id="2" name="Title 1"/>
-          <p:cNvSpPr>
-            <a:spLocks noGrp="1"/>
-          </p:cNvSpPr>
-          <p:nvPr>
-            <p:ph type="title"/>
+          <p:cNvPr id="3" name="Content Placeholder 2"/>
+          <p:cNvSpPr>
+            <a:spLocks noGrp="1"/>
+          </p:cNvSpPr>
+          <p:nvPr>
+            <p:ph idx="1"/>
           </p:nvPr>
         </p:nvSpPr>
         <p:spPr>
           <a:xfrm>
-            <a:off x="677334" y="609600"/>
-            <a:ext cx="8596668" cy="523009"/>
+            <a:off x="677334" y="1"/>
+            <a:ext cx="8596668" cy="6041362"/>
           </a:xfrm>
         </p:spPr>
         <p:txBody>
           <a:bodyPr>
-            <a:normAutofit fontScale="90000"/>
+            <a:normAutofit/>
           </a:bodyPr>
           <a:lstStyle/>
           <a:p>
             <a:r>
               <a:rPr lang="en-US" dirty="0"/>
-              <a:t>Links</a:t>
-            </a:r>
-          </a:p>
-        </p:txBody>
-      </p:sp>
-      <p:sp>
-        <p:nvSpPr>
-          <p:cNvPr id="3" name="Content Placeholder 2"/>
-          <p:cNvSpPr>
-            <a:spLocks noGrp="1"/>
-          </p:cNvSpPr>
-          <p:nvPr>
-            <p:ph idx="1"/>
-          </p:nvPr>
-        </p:nvSpPr>
-        <p:spPr>
-          <a:xfrm>
-            <a:off x="0" y="1132609"/>
-            <a:ext cx="9902536" cy="5725391"/>
-          </a:xfrm>
-        </p:spPr>
-        <p:txBody>
-          <a:bodyPr/>
-          <a:lstStyle/>
-          <a:p>
-            <a:r>
-              <a:rPr lang="en-US" dirty="0"/>
-              <a:t>Links can be styled with any CSS property (e.g. color, font-family, background, etc.).</a:t>
-            </a:r>
-          </a:p>
-          <a:p>
-            <a:r>
-              <a:rPr lang="en-US" dirty="0"/>
-              <a:t>a {</a:t>
-            </a:r>
-            <a:br>
-              <a:rPr lang="en-US" dirty="0"/>
-            </a:br>
-            <a:r>
-              <a:rPr lang="en-US" dirty="0"/>
-              <a:t>    color: </a:t>
+              <a:t>&lt;body&gt;</a:t>
+            </a:r>
+          </a:p>
+          <a:p>
+            <a:endParaRPr lang="en-US" dirty="0"/>
+          </a:p>
+          <a:p>
+            <a:r>
+              <a:rPr lang="en-US" dirty="0"/>
+              <a:t>&lt;</a:t>
             </a:r>
             <a:r>
               <a:rPr lang="en-US" dirty="0" err="1"/>
-              <a:t>hotpink</a:t>
-            </a:r>
-            <a:r>
-              <a:rPr lang="en-US" dirty="0"/>
-              <a:t>;</a:t>
-            </a:r>
-            <a:br>
-              <a:rPr lang="en-US" dirty="0"/>
-            </a:br>
-            <a:r>
-              <a:rPr lang="en-US" dirty="0"/>
-              <a:t>} </a:t>
-            </a:r>
-          </a:p>
-          <a:p>
-            <a:r>
-              <a:rPr lang="en-US" dirty="0"/>
-              <a:t>The four links states are: </a:t>
-            </a:r>
-          </a:p>
-          <a:p>
-            <a:r>
-              <a:rPr lang="en-US" dirty="0"/>
-              <a:t>•</a:t>
+              <a:t>ul</a:t>
+            </a:r>
+            <a:r>
+              <a:rPr lang="en-US" dirty="0"/>
+              <a:t>&gt;</a:t>
+            </a:r>
+          </a:p>
+          <a:p>
+            <a:r>
+              <a:rPr lang="en-US" dirty="0"/>
+              <a:t>  &lt;</a:t>
             </a:r>
             <a:r>
               <a:rPr lang="en-US" dirty="0" err="1"/>
-              <a:t>a:link</a:t>
-            </a:r>
-            <a:r>
-              <a:rPr lang="en-US" dirty="0"/>
-              <a:t> - a normal, unvisited link</a:t>
-            </a:r>
-          </a:p>
-          <a:p>
-            <a:r>
-              <a:rPr lang="en-US" dirty="0"/>
-              <a:t>•</a:t>
+              <a:t>li</a:t>
+            </a:r>
+            <a:r>
+              <a:rPr lang="en-US" dirty="0"/>
+              <a:t>&gt;&lt;a </a:t>
             </a:r>
             <a:r>
               <a:rPr lang="en-US" dirty="0" err="1"/>
-              <a:t>a:visited</a:t>
-            </a:r>
-            <a:r>
-              <a:rPr lang="en-US" dirty="0"/>
-              <a:t> - a link the user has visited</a:t>
-            </a:r>
-          </a:p>
-          <a:p>
-            <a:r>
-              <a:rPr lang="en-US" dirty="0"/>
-              <a:t>•</a:t>
+              <a:t>href</a:t>
+            </a:r>
+            <a:r>
+              <a:rPr lang="en-US" dirty="0"/>
+              <a:t>="#home"&gt;Home&lt;/a&gt;&lt;/</a:t>
             </a:r>
             <a:r>
               <a:rPr lang="en-US" dirty="0" err="1"/>
-              <a:t>a:hover</a:t>
-            </a:r>
-            <a:r>
-              <a:rPr lang="en-US" dirty="0"/>
-              <a:t> - a link when the user </a:t>
+              <a:t>li</a:t>
+            </a:r>
+            <a:r>
+              <a:rPr lang="en-US" dirty="0"/>
+              <a:t>&gt;</a:t>
+            </a:r>
+          </a:p>
+          <a:p>
+            <a:r>
+              <a:rPr lang="en-US" dirty="0"/>
+              <a:t>  &lt;</a:t>
             </a:r>
             <a:r>
               <a:rPr lang="en-US" dirty="0" err="1"/>
-              <a:t>mouses</a:t>
-            </a:r>
-            <a:r>
-              <a:rPr lang="en-US" dirty="0"/>
-              <a:t> over it</a:t>
-            </a:r>
-          </a:p>
-          <a:p>
-            <a:r>
-              <a:rPr lang="en-US" dirty="0"/>
-              <a:t>•</a:t>
+              <a:t>li</a:t>
+            </a:r>
+            <a:r>
+              <a:rPr lang="en-US" dirty="0"/>
+              <a:t>&gt;&lt;a </a:t>
             </a:r>
             <a:r>
               <a:rPr lang="en-US" dirty="0" err="1"/>
-              <a:t>a:active</a:t>
-            </a:r>
-            <a:r>
-              <a:rPr lang="en-US" dirty="0"/>
-              <a:t> - a link the moment it is clicked</a:t>
-            </a:r>
-          </a:p>
-          <a:p>
-            <a:pPr marL="0" indent="0">
-              <a:buNone/>
-            </a:pPr>
-            <a:endParaRPr lang="en-US" dirty="0"/>
-          </a:p>
-          <a:p>
-            <a:r>
-              <a:rPr lang="en-US" dirty="0"/>
-              <a:t>When setting the style for several link states, there are some order rules:</a:t>
-            </a:r>
-          </a:p>
-          <a:p>
-            <a:r>
-              <a:rPr lang="en-US" dirty="0"/>
-              <a:t>a:hover MUST come after a:link and a:visited</a:t>
-            </a:r>
-          </a:p>
-          <a:p>
-            <a:r>
-              <a:rPr lang="en-US" dirty="0"/>
-              <a:t>a:active MUST come after a:hover</a:t>
-            </a:r>
-          </a:p>
-          <a:p>
-            <a:endParaRPr lang="en-US" dirty="0"/>
-          </a:p>
-          <a:p>
-            <a:endParaRPr lang="en-US" dirty="0"/>
+              <a:t>href</a:t>
+            </a:r>
+            <a:r>
+              <a:rPr lang="en-US" dirty="0"/>
+              <a:t>="#news"&gt;News&lt;/a&gt;&lt;/</a:t>
+            </a:r>
+            <a:r>
+              <a:rPr lang="en-US" dirty="0" err="1"/>
+              <a:t>li</a:t>
+            </a:r>
+            <a:r>
+              <a:rPr lang="en-US" dirty="0"/>
+              <a:t>&gt;</a:t>
+            </a:r>
+          </a:p>
+          <a:p>
+            <a:r>
+              <a:rPr lang="en-US" dirty="0"/>
+              <a:t>  &lt;</a:t>
+            </a:r>
+            <a:r>
+              <a:rPr lang="en-US" dirty="0" err="1"/>
+              <a:t>li</a:t>
+            </a:r>
+            <a:r>
+              <a:rPr lang="en-US" dirty="0"/>
+              <a:t>&gt;&lt;a </a:t>
+            </a:r>
+            <a:r>
+              <a:rPr lang="en-US" dirty="0" err="1"/>
+              <a:t>href</a:t>
+            </a:r>
+            <a:r>
+              <a:rPr lang="en-US" dirty="0"/>
+              <a:t>="#contact"&gt;Contact&lt;/a&gt;&lt;/</a:t>
+            </a:r>
+            <a:r>
+              <a:rPr lang="en-US" dirty="0" err="1"/>
+              <a:t>li</a:t>
+            </a:r>
+            <a:r>
+              <a:rPr lang="en-US" dirty="0"/>
+              <a:t>&gt;</a:t>
+            </a:r>
+          </a:p>
+          <a:p>
+            <a:r>
+              <a:rPr lang="en-US" dirty="0"/>
+              <a:t>  &lt;</a:t>
+            </a:r>
+            <a:r>
+              <a:rPr lang="en-US" dirty="0" err="1"/>
+              <a:t>li</a:t>
+            </a:r>
+            <a:r>
+              <a:rPr lang="en-US" dirty="0"/>
+              <a:t>&gt;&lt;a </a:t>
+            </a:r>
+            <a:r>
+              <a:rPr lang="en-US" dirty="0" err="1"/>
+              <a:t>href</a:t>
+            </a:r>
+            <a:r>
+              <a:rPr lang="en-US" dirty="0"/>
+              <a:t>="#about"&gt;About&lt;/a&gt;&lt;/</a:t>
+            </a:r>
+            <a:r>
+              <a:rPr lang="en-US" dirty="0" err="1"/>
+              <a:t>li</a:t>
+            </a:r>
+            <a:r>
+              <a:rPr lang="en-US" dirty="0"/>
+              <a:t>&gt;</a:t>
+            </a:r>
+          </a:p>
+          <a:p>
+            <a:r>
+              <a:rPr lang="en-US" dirty="0"/>
+              <a:t>&lt;/</a:t>
+            </a:r>
+            <a:r>
+              <a:rPr lang="en-US" dirty="0" err="1"/>
+              <a:t>ul</a:t>
+            </a:r>
+            <a:r>
+              <a:rPr lang="en-US" dirty="0"/>
+              <a:t>&gt;</a:t>
+            </a:r>
+          </a:p>
+          <a:p>
+            <a:endParaRPr lang="en-US" dirty="0"/>
+          </a:p>
+          <a:p>
+            <a:r>
+              <a:rPr lang="en-US" dirty="0"/>
+              <a:t>&lt;p&gt;A background color is added to the links to show the link area.&lt;/p&gt;</a:t>
+            </a:r>
+          </a:p>
+          <a:p>
+            <a:r>
+              <a:rPr lang="en-US" dirty="0"/>
+              <a:t>&lt;p&gt;Notice that the whole link area is clickable, not just the text.&lt;/p&gt;</a:t>
+            </a:r>
+          </a:p>
+          <a:p>
+            <a:endParaRPr lang="en-US" dirty="0"/>
+          </a:p>
+          <a:p>
+            <a:r>
+              <a:rPr lang="en-US" dirty="0"/>
+              <a:t>&lt;/body&gt;</a:t>
+            </a:r>
+          </a:p>
+          <a:p>
+            <a:r>
+              <a:rPr lang="en-US" dirty="0"/>
+              <a:t>&lt;/html&gt;</a:t>
+            </a:r>
+          </a:p>
+          <a:p>
+            <a:endParaRPr lang="en-IN" dirty="0"/>
           </a:p>
         </p:txBody>
       </p:sp>
     </p:spTree>
-    <p:extLst>
-      <p:ext uri="{BB962C8B-B14F-4D97-AF65-F5344CB8AC3E}">
-        <p14:creationId xmlns:p14="http://schemas.microsoft.com/office/powerpoint/2010/main" val="812352756"/>
-      </p:ext>
-    </p:extLst>
   </p:cSld>
   <p:clrMapOvr>
     <a:masterClrMapping/>
@@ -10350,131 +9686,164 @@
             <p:ph type="title"/>
           </p:nvPr>
         </p:nvSpPr>
+        <p:spPr/>
+        <p:txBody>
+          <a:bodyPr/>
+          <a:lstStyle/>
+          <a:p>
+            <a:r>
+              <a:rPr lang="en-US" dirty="0"/>
+              <a:t>CSS Transforms</a:t>
+            </a:r>
+          </a:p>
+        </p:txBody>
+      </p:sp>
+      <p:sp>
+        <p:nvSpPr>
+          <p:cNvPr id="3" name="Content Placeholder 2"/>
+          <p:cNvSpPr>
+            <a:spLocks noGrp="1"/>
+          </p:cNvSpPr>
+          <p:nvPr>
+            <p:ph idx="1"/>
+          </p:nvPr>
+        </p:nvSpPr>
         <p:spPr>
           <a:xfrm>
-            <a:off x="677334" y="609600"/>
-            <a:ext cx="8596668" cy="855518"/>
+            <a:off x="677334" y="1184564"/>
+            <a:ext cx="8596668" cy="5579917"/>
           </a:xfrm>
         </p:spPr>
         <p:txBody>
-          <a:bodyPr/>
+          <a:bodyPr>
+            <a:normAutofit/>
+          </a:bodyPr>
           <a:lstStyle/>
           <a:p>
             <a:r>
               <a:rPr lang="en-US" dirty="0"/>
-              <a:t>Advanced Links</a:t>
-            </a:r>
-          </a:p>
-        </p:txBody>
-      </p:sp>
-      <p:sp>
-        <p:nvSpPr>
-          <p:cNvPr id="3" name="Content Placeholder 2"/>
-          <p:cNvSpPr>
-            <a:spLocks noGrp="1"/>
-          </p:cNvSpPr>
-          <p:nvPr>
-            <p:ph idx="1"/>
-          </p:nvPr>
-        </p:nvSpPr>
-        <p:spPr>
-          <a:xfrm>
-            <a:off x="677334" y="1579419"/>
-            <a:ext cx="8596668" cy="4461944"/>
-          </a:xfrm>
-        </p:spPr>
-        <p:txBody>
-          <a:bodyPr/>
-          <a:lstStyle/>
-          <a:p>
-            <a:r>
-              <a:rPr lang="en-US" dirty="0"/>
-              <a:t>a:link, a:visited {</a:t>
-            </a:r>
-            <a:br>
-              <a:rPr lang="en-US" dirty="0"/>
-            </a:br>
-            <a:r>
-              <a:rPr lang="en-US" dirty="0"/>
-              <a:t>    background-color: #f44336;</a:t>
-            </a:r>
-            <a:br>
-              <a:rPr lang="en-US" dirty="0"/>
-            </a:br>
-            <a:r>
-              <a:rPr lang="en-US" dirty="0"/>
-              <a:t>    color: white;</a:t>
-            </a:r>
-            <a:br>
-              <a:rPr lang="en-US" dirty="0"/>
-            </a:br>
-            <a:r>
-              <a:rPr lang="en-US" dirty="0"/>
-              <a:t>    padding: 14px 25px;</a:t>
-            </a:r>
-            <a:br>
-              <a:rPr lang="en-US" dirty="0"/>
-            </a:br>
-            <a:r>
-              <a:rPr lang="en-US" dirty="0"/>
-              <a:t>    text-align: center; </a:t>
-            </a:r>
-            <a:br>
-              <a:rPr lang="en-US" dirty="0"/>
-            </a:br>
-            <a:r>
-              <a:rPr lang="en-US" dirty="0"/>
-              <a:t>    text-decoration: none;</a:t>
-            </a:r>
-            <a:br>
-              <a:rPr lang="en-US" dirty="0"/>
-            </a:br>
-            <a:r>
-              <a:rPr lang="en-US" dirty="0"/>
-              <a:t>    display: </a:t>
-            </a:r>
-            <a:r>
-              <a:rPr lang="en-US" b="1" dirty="0"/>
-              <a:t>inline-block;</a:t>
-            </a:r>
-            <a:br>
-              <a:rPr lang="en-US" dirty="0"/>
-            </a:br>
-            <a:r>
-              <a:rPr lang="en-US" dirty="0"/>
-              <a:t>}</a:t>
-            </a:r>
-            <a:br>
-              <a:rPr lang="en-US" dirty="0"/>
-            </a:br>
-            <a:br>
-              <a:rPr lang="en-US" dirty="0"/>
-            </a:br>
-            <a:r>
-              <a:rPr lang="en-US" dirty="0"/>
-              <a:t>a:hover, a:active {</a:t>
-            </a:r>
-            <a:br>
-              <a:rPr lang="en-US" dirty="0"/>
-            </a:br>
-            <a:r>
-              <a:rPr lang="en-US" dirty="0"/>
-              <a:t>    background-color: red;</a:t>
-            </a:r>
-            <a:br>
-              <a:rPr lang="en-US" dirty="0"/>
-            </a:br>
-            <a:r>
-              <a:rPr lang="en-US" dirty="0"/>
-              <a:t>}</a:t>
-            </a:r>
+              <a:t>CSS transforms allow you to translate, rotate, scale, and skew elements.</a:t>
+            </a:r>
+          </a:p>
+          <a:p>
+            <a:r>
+              <a:rPr lang="en-US" dirty="0"/>
+              <a:t>A transformation is an effect that lets an element change shape, size and position.</a:t>
+            </a:r>
+          </a:p>
+          <a:p>
+            <a:r>
+              <a:rPr lang="en-US" dirty="0"/>
+              <a:t>CSS supports 2D and 3D transformations.</a:t>
+            </a:r>
+          </a:p>
+          <a:p>
+            <a:r>
+              <a:rPr lang="en-US" dirty="0"/>
+              <a:t>following 2D transformation methods:</a:t>
+            </a:r>
+          </a:p>
+          <a:p>
+            <a:r>
+              <a:rPr lang="en-US" sz="2800" dirty="0">
+                <a:solidFill>
+                  <a:srgbClr val="FF0000"/>
+                </a:solidFill>
+              </a:rPr>
+              <a:t>•translate()</a:t>
+            </a:r>
+          </a:p>
+          <a:p>
+            <a:r>
+              <a:rPr lang="en-US" sz="2800" dirty="0">
+                <a:solidFill>
+                  <a:srgbClr val="FF0000"/>
+                </a:solidFill>
+              </a:rPr>
+              <a:t>•rotate()</a:t>
+            </a:r>
+          </a:p>
+          <a:p>
+            <a:r>
+              <a:rPr lang="en-US" sz="2800" dirty="0">
+                <a:solidFill>
+                  <a:srgbClr val="FF0000"/>
+                </a:solidFill>
+              </a:rPr>
+              <a:t>•scale()</a:t>
+            </a:r>
+          </a:p>
+          <a:p>
+            <a:r>
+              <a:rPr lang="en-US" sz="2800" dirty="0">
+                <a:solidFill>
+                  <a:srgbClr val="FF0000"/>
+                </a:solidFill>
+              </a:rPr>
+              <a:t>•</a:t>
+            </a:r>
+            <a:r>
+              <a:rPr lang="en-US" sz="2800" dirty="0" err="1">
+                <a:solidFill>
+                  <a:srgbClr val="FF0000"/>
+                </a:solidFill>
+              </a:rPr>
+              <a:t>skewX</a:t>
+            </a:r>
+            <a:r>
+              <a:rPr lang="en-US" sz="2800" dirty="0">
+                <a:solidFill>
+                  <a:srgbClr val="FF0000"/>
+                </a:solidFill>
+              </a:rPr>
+              <a:t>()</a:t>
+            </a:r>
+          </a:p>
+          <a:p>
+            <a:r>
+              <a:rPr lang="en-US" sz="2800" dirty="0">
+                <a:solidFill>
+                  <a:srgbClr val="FF0000"/>
+                </a:solidFill>
+              </a:rPr>
+              <a:t>•</a:t>
+            </a:r>
+            <a:r>
+              <a:rPr lang="en-US" sz="2800" dirty="0" err="1">
+                <a:solidFill>
+                  <a:srgbClr val="FF0000"/>
+                </a:solidFill>
+              </a:rPr>
+              <a:t>skewY</a:t>
+            </a:r>
+            <a:r>
+              <a:rPr lang="en-US" sz="2800" dirty="0">
+                <a:solidFill>
+                  <a:srgbClr val="FF0000"/>
+                </a:solidFill>
+              </a:rPr>
+              <a:t>()</a:t>
+            </a:r>
+          </a:p>
+          <a:p>
+            <a:r>
+              <a:rPr lang="en-US" sz="2800" dirty="0">
+                <a:solidFill>
+                  <a:srgbClr val="FF0000"/>
+                </a:solidFill>
+              </a:rPr>
+              <a:t>•matrix()</a:t>
+            </a:r>
+          </a:p>
+          <a:p>
+            <a:endParaRPr lang="en-US" dirty="0"/>
           </a:p>
         </p:txBody>
       </p:sp>
     </p:spTree>
     <p:extLst>
       <p:ext uri="{BB962C8B-B14F-4D97-AF65-F5344CB8AC3E}">
-        <p14:creationId xmlns:p14="http://schemas.microsoft.com/office/powerpoint/2010/main" val="3272833205"/>
+        <p14:creationId xmlns:p14="http://schemas.microsoft.com/office/powerpoint/2010/main" val="1020241927"/>
       </p:ext>
     </p:extLst>
   </p:cSld>
@@ -10514,7 +9883,7 @@
         <p:spPr>
           <a:xfrm>
             <a:off x="677334" y="609600"/>
-            <a:ext cx="8596668" cy="626918"/>
+            <a:ext cx="8596668" cy="689264"/>
           </a:xfrm>
         </p:spPr>
         <p:txBody>
@@ -10525,8 +9894,11 @@
           <a:p>
             <a:r>
               <a:rPr lang="en-US" b="1" dirty="0"/>
-              <a:t>CSS Navigation Bar</a:t>
-            </a:r>
+              <a:t>The translate() Method</a:t>
+            </a:r>
+            <a:br>
+              <a:rPr lang="en-US" b="1" dirty="0"/>
+            </a:br>
             <a:endParaRPr lang="en-US" dirty="0"/>
           </a:p>
         </p:txBody>
@@ -10543,167 +9915,76 @@
         </p:nvSpPr>
         <p:spPr>
           <a:xfrm>
-            <a:off x="677334" y="1236518"/>
-            <a:ext cx="8596668" cy="5621481"/>
+            <a:off x="-72737" y="1298864"/>
+            <a:ext cx="12192000" cy="3880773"/>
           </a:xfrm>
         </p:spPr>
         <p:txBody>
           <a:bodyPr>
-            <a:normAutofit fontScale="92500" lnSpcReduction="20000"/>
+            <a:normAutofit/>
           </a:bodyPr>
           <a:lstStyle/>
           <a:p>
             <a:r>
-              <a:rPr lang="en-US" dirty="0"/>
-              <a:t>A navigation bar needs standard HTML as a base.</a:t>
-            </a:r>
-          </a:p>
-          <a:p>
-            <a:r>
-              <a:rPr lang="en-US" dirty="0"/>
-              <a:t>A navigation bar is basically a list of links, so using the &lt;</a:t>
-            </a:r>
-            <a:r>
-              <a:rPr lang="en-US" dirty="0" err="1"/>
-              <a:t>ul</a:t>
-            </a:r>
-            <a:r>
-              <a:rPr lang="en-US" dirty="0"/>
-              <a:t>&gt; and &lt;li&gt; elements makes perfect sense:</a:t>
-            </a:r>
-          </a:p>
-          <a:p>
-            <a:r>
-              <a:rPr lang="en-US" dirty="0" err="1"/>
-              <a:t>ul</a:t>
-            </a:r>
-            <a:r>
-              <a:rPr lang="en-US" dirty="0"/>
-              <a:t> {</a:t>
+              <a:rPr lang="en-US" sz="2800" dirty="0"/>
+              <a:t>The translate() method moves an element from its current position (according to the parameters given for the X-axis and the Y-axis).</a:t>
+            </a:r>
+          </a:p>
+          <a:p>
+            <a:r>
+              <a:rPr lang="en-US" sz="2800" dirty="0"/>
+              <a:t>div {</a:t>
             </a:r>
             <a:br>
-              <a:rPr lang="en-US" dirty="0"/>
+              <a:rPr lang="en-US" sz="2800" dirty="0"/>
             </a:br>
             <a:r>
-              <a:rPr lang="en-US" dirty="0"/>
-              <a:t>    list-style-type: none;</a:t>
+              <a:rPr lang="en-US" sz="2800" dirty="0"/>
+              <a:t>    -</a:t>
+            </a:r>
+            <a:r>
+              <a:rPr lang="en-US" sz="2800" dirty="0" err="1"/>
+              <a:t>ms</a:t>
+            </a:r>
+            <a:r>
+              <a:rPr lang="en-US" sz="2800" dirty="0"/>
+              <a:t>-transform: translate(50px, 100px); /* IE 9 */</a:t>
             </a:r>
             <a:br>
-              <a:rPr lang="en-US" dirty="0"/>
+              <a:rPr lang="en-US" sz="2800" dirty="0"/>
             </a:br>
             <a:r>
-              <a:rPr lang="en-US" dirty="0"/>
-              <a:t>    margin: 0;</a:t>
+              <a:rPr lang="en-US" sz="2800" dirty="0"/>
+              <a:t>    -</a:t>
+            </a:r>
+            <a:r>
+              <a:rPr lang="en-US" sz="2800" dirty="0" err="1"/>
+              <a:t>webkit</a:t>
+            </a:r>
+            <a:r>
+              <a:rPr lang="en-US" sz="2800" dirty="0"/>
+              <a:t>-transform: translate(50px, 100px); /* Safari */</a:t>
             </a:r>
             <a:br>
-              <a:rPr lang="en-US" dirty="0"/>
+              <a:rPr lang="en-US" sz="2800" dirty="0"/>
             </a:br>
             <a:r>
-              <a:rPr lang="en-US" dirty="0"/>
-              <a:t>    padding: 0;</a:t>
+              <a:rPr lang="en-US" sz="2800" dirty="0"/>
+              <a:t>    </a:t>
+            </a:r>
+            <a:r>
+              <a:rPr lang="en-US" sz="2800" dirty="0">
+                <a:solidFill>
+                  <a:srgbClr val="FF0000"/>
+                </a:solidFill>
+              </a:rPr>
+              <a:t>transform: translate(50px, 100px);</a:t>
             </a:r>
             <a:br>
-              <a:rPr lang="en-US" dirty="0"/>
+              <a:rPr lang="en-US" sz="2800" dirty="0"/>
             </a:br>
             <a:r>
-              <a:rPr lang="en-US" dirty="0"/>
-              <a:t>    width: 200px;</a:t>
-            </a:r>
-            <a:br>
-              <a:rPr lang="en-US" dirty="0"/>
-            </a:br>
-            <a:r>
-              <a:rPr lang="en-US" dirty="0"/>
-              <a:t>    background-color: #f1f1f1;</a:t>
-            </a:r>
-            <a:br>
-              <a:rPr lang="en-US" dirty="0"/>
-            </a:br>
-            <a:r>
-              <a:rPr lang="en-US" dirty="0"/>
-              <a:t>}</a:t>
-            </a:r>
-            <a:br>
-              <a:rPr lang="en-US" dirty="0"/>
-            </a:br>
-            <a:br>
-              <a:rPr lang="en-US" dirty="0"/>
-            </a:br>
-            <a:r>
-              <a:rPr lang="en-US" dirty="0"/>
-              <a:t>li a {</a:t>
-            </a:r>
-            <a:br>
-              <a:rPr lang="en-US" dirty="0"/>
-            </a:br>
-            <a:r>
-              <a:rPr lang="en-US" dirty="0"/>
-              <a:t>    display: block;</a:t>
-            </a:r>
-            <a:br>
-              <a:rPr lang="en-US" dirty="0"/>
-            </a:br>
-            <a:r>
-              <a:rPr lang="en-US" dirty="0"/>
-              <a:t>    color: #000;</a:t>
-            </a:r>
-            <a:br>
-              <a:rPr lang="en-US" dirty="0"/>
-            </a:br>
-            <a:r>
-              <a:rPr lang="en-US" dirty="0"/>
-              <a:t>    padding: 8px 16px;</a:t>
-            </a:r>
-            <a:br>
-              <a:rPr lang="en-US" dirty="0"/>
-            </a:br>
-            <a:r>
-              <a:rPr lang="en-US" dirty="0"/>
-              <a:t>    text-decoration: none;</a:t>
-            </a:r>
-            <a:br>
-              <a:rPr lang="en-US" dirty="0"/>
-            </a:br>
-            <a:r>
-              <a:rPr lang="en-US" dirty="0"/>
-              <a:t>}</a:t>
-            </a:r>
-            <a:br>
-              <a:rPr lang="en-US" dirty="0"/>
-            </a:br>
-            <a:br>
-              <a:rPr lang="en-US" dirty="0"/>
-            </a:br>
-            <a:r>
-              <a:rPr lang="en-US" dirty="0"/>
-              <a:t>/* Change the link color on hover */</a:t>
-            </a:r>
-            <a:br>
-              <a:rPr lang="en-US" dirty="0"/>
-            </a:br>
-            <a:r>
-              <a:rPr lang="en-US" dirty="0"/>
-              <a:t>li a:hover {</a:t>
-            </a:r>
-            <a:br>
-              <a:rPr lang="en-US" dirty="0"/>
-            </a:br>
-            <a:r>
-              <a:rPr lang="en-US" dirty="0"/>
-              <a:t>    background-color: #555;</a:t>
-            </a:r>
-            <a:br>
-              <a:rPr lang="en-US" dirty="0"/>
-            </a:br>
-            <a:r>
-              <a:rPr lang="en-US" dirty="0"/>
-              <a:t>    color: white;</a:t>
-            </a:r>
-            <a:br>
-              <a:rPr lang="en-US" dirty="0"/>
-            </a:br>
-            <a:r>
-              <a:rPr lang="en-US" dirty="0"/>
+              <a:rPr lang="en-US" sz="2800" dirty="0"/>
               <a:t>}</a:t>
             </a:r>
           </a:p>
@@ -10712,7 +9993,7 @@
     </p:spTree>
     <p:extLst>
       <p:ext uri="{BB962C8B-B14F-4D97-AF65-F5344CB8AC3E}">
-        <p14:creationId xmlns:p14="http://schemas.microsoft.com/office/powerpoint/2010/main" val="2341986829"/>
+        <p14:creationId xmlns:p14="http://schemas.microsoft.com/office/powerpoint/2010/main" val="2407403536"/>
       </p:ext>
     </p:extLst>
   </p:cSld>
@@ -10741,6 +10022,29 @@
       </p:grpSpPr>
       <p:sp>
         <p:nvSpPr>
+          <p:cNvPr id="2" name="Title 1"/>
+          <p:cNvSpPr>
+            <a:spLocks noGrp="1"/>
+          </p:cNvSpPr>
+          <p:nvPr>
+            <p:ph type="title"/>
+          </p:nvPr>
+        </p:nvSpPr>
+        <p:spPr/>
+        <p:txBody>
+          <a:bodyPr/>
+          <a:lstStyle/>
+          <a:p>
+            <a:r>
+              <a:rPr lang="en-US" b="1" dirty="0"/>
+              <a:t>The rotate() Method</a:t>
+            </a:r>
+            <a:endParaRPr lang="en-US" dirty="0"/>
+          </a:p>
+        </p:txBody>
+      </p:sp>
+      <p:sp>
+        <p:nvSpPr>
           <p:cNvPr id="3" name="Content Placeholder 2"/>
           <p:cNvSpPr>
             <a:spLocks noGrp="1"/>
@@ -10751,118 +10055,97 @@
         </p:nvSpPr>
         <p:spPr>
           <a:xfrm>
-            <a:off x="0" y="1"/>
-            <a:ext cx="12192000" cy="6982690"/>
+            <a:off x="677334" y="1579419"/>
+            <a:ext cx="9911002" cy="4461944"/>
           </a:xfrm>
         </p:spPr>
         <p:txBody>
           <a:bodyPr>
-            <a:noAutofit/>
+            <a:normAutofit fontScale="92500" lnSpcReduction="20000"/>
           </a:bodyPr>
           <a:lstStyle/>
           <a:p>
             <a:r>
-              <a:rPr lang="en-US" sz="2000" dirty="0"/>
-              <a:t>&lt;head&gt;</a:t>
-            </a:r>
-          </a:p>
-          <a:p>
-            <a:r>
-              <a:rPr lang="en-US" sz="2000" dirty="0"/>
-              <a:t>&lt;style&gt;</a:t>
-            </a:r>
-          </a:p>
-          <a:p>
-            <a:r>
-              <a:rPr lang="en-US" sz="2000" dirty="0" err="1"/>
-              <a:t>ul</a:t>
-            </a:r>
-            <a:r>
-              <a:rPr lang="en-US" sz="2000" dirty="0"/>
-              <a:t> {</a:t>
-            </a:r>
-          </a:p>
-          <a:p>
-            <a:r>
-              <a:rPr lang="en-US" sz="2000" dirty="0"/>
-              <a:t>    list-style-type&lt;html&gt;</a:t>
-            </a:r>
-          </a:p>
-          <a:p>
-            <a:r>
-              <a:rPr lang="en-US" sz="2000" dirty="0"/>
-              <a:t>: none;</a:t>
-            </a:r>
-          </a:p>
-          <a:p>
-            <a:r>
-              <a:rPr lang="en-US" sz="2000" dirty="0"/>
-              <a:t>    margin: 0;</a:t>
-            </a:r>
-          </a:p>
-          <a:p>
-            <a:r>
-              <a:rPr lang="en-US" sz="2000" dirty="0"/>
-              <a:t>    padding: 0;</a:t>
-            </a:r>
-          </a:p>
-          <a:p>
-            <a:r>
-              <a:rPr lang="en-US" sz="2000" dirty="0"/>
-              <a:t>}</a:t>
-            </a:r>
-          </a:p>
-          <a:p>
-            <a:endParaRPr lang="en-US" sz="2000" dirty="0"/>
-          </a:p>
-          <a:p>
-            <a:r>
-              <a:rPr lang="en-US" sz="2000" dirty="0"/>
-              <a:t>li a {</a:t>
-            </a:r>
-          </a:p>
-          <a:p>
-            <a:r>
-              <a:rPr lang="en-US" sz="2000" dirty="0"/>
-              <a:t>    display: block;</a:t>
-            </a:r>
-          </a:p>
-          <a:p>
-            <a:r>
-              <a:rPr lang="en-US" sz="2000" dirty="0"/>
-              <a:t>    width: 60px;</a:t>
-            </a:r>
-          </a:p>
-          <a:p>
-            <a:r>
-              <a:rPr lang="en-US" sz="2000" dirty="0"/>
-              <a:t>    background-color: #</a:t>
-            </a:r>
-            <a:r>
-              <a:rPr lang="en-US" sz="2000" dirty="0" err="1"/>
-              <a:t>dddddd</a:t>
-            </a:r>
-            <a:r>
-              <a:rPr lang="en-US" sz="2000" dirty="0"/>
-              <a:t>;</a:t>
-            </a:r>
-          </a:p>
-          <a:p>
-            <a:r>
-              <a:rPr lang="en-US" sz="2000" dirty="0"/>
-              <a:t>}</a:t>
-            </a:r>
-          </a:p>
-          <a:p>
-            <a:r>
-              <a:rPr lang="en-US" sz="2000" dirty="0"/>
-              <a:t>&lt;/style&gt;</a:t>
-            </a:r>
-          </a:p>
-          <a:p>
-            <a:r>
-              <a:rPr lang="en-US" sz="2000" dirty="0"/>
-              <a:t>&lt;/head&gt;</a:t>
+              <a:rPr lang="en-US" dirty="0"/>
+              <a:t>The rotate() method rotates an element clockwise or counter-clockwise according to a given degree.</a:t>
+            </a:r>
+          </a:p>
+          <a:p>
+            <a:endParaRPr lang="en-US" dirty="0"/>
+          </a:p>
+          <a:p>
+            <a:r>
+              <a:rPr lang="en-US" dirty="0"/>
+              <a:t>The following example rotates the &lt;div&gt; element clockwise with 20 degrees:</a:t>
+            </a:r>
+          </a:p>
+          <a:p>
+            <a:endParaRPr lang="en-US" dirty="0"/>
+          </a:p>
+          <a:p>
+            <a:endParaRPr lang="en-US" dirty="0"/>
+          </a:p>
+          <a:p>
+            <a:r>
+              <a:rPr lang="en-US" dirty="0"/>
+              <a:t>Example</a:t>
+            </a:r>
+          </a:p>
+          <a:p>
+            <a:endParaRPr lang="en-US" dirty="0"/>
+          </a:p>
+          <a:p>
+            <a:r>
+              <a:rPr lang="en-US" dirty="0"/>
+              <a:t> div {</a:t>
+            </a:r>
+          </a:p>
+          <a:p>
+            <a:r>
+              <a:rPr lang="en-US" dirty="0"/>
+              <a:t>     -</a:t>
+            </a:r>
+            <a:r>
+              <a:rPr lang="en-US" dirty="0" err="1"/>
+              <a:t>ms</a:t>
+            </a:r>
+            <a:r>
+              <a:rPr lang="en-US" dirty="0"/>
+              <a:t>-transform: rotate(20deg); /* IE 9 */</a:t>
+            </a:r>
+          </a:p>
+          <a:p>
+            <a:r>
+              <a:rPr lang="en-US" dirty="0"/>
+              <a:t>     -</a:t>
+            </a:r>
+            <a:r>
+              <a:rPr lang="en-US" dirty="0" err="1"/>
+              <a:t>webkit</a:t>
+            </a:r>
+            <a:r>
+              <a:rPr lang="en-US" dirty="0"/>
+              <a:t>-transform: rotate(20deg); /* Safari */</a:t>
+            </a:r>
+          </a:p>
+          <a:p>
+            <a:r>
+              <a:rPr lang="en-US" dirty="0"/>
+              <a:t>     </a:t>
+            </a:r>
+            <a:r>
+              <a:rPr lang="en-US" sz="2600" dirty="0">
+                <a:solidFill>
+                  <a:srgbClr val="FF0000"/>
+                </a:solidFill>
+              </a:rPr>
+              <a:t>transform: rotate(20deg);</a:t>
+            </a:r>
+          </a:p>
+          <a:p>
+            <a:r>
+              <a:rPr lang="en-US" dirty="0"/>
+              <a:t>} </a:t>
             </a:r>
           </a:p>
         </p:txBody>
@@ -10870,7 +10153,7 @@
     </p:spTree>
     <p:extLst>
       <p:ext uri="{BB962C8B-B14F-4D97-AF65-F5344CB8AC3E}">
-        <p14:creationId xmlns:p14="http://schemas.microsoft.com/office/powerpoint/2010/main" val="2134941112"/>
+        <p14:creationId xmlns:p14="http://schemas.microsoft.com/office/powerpoint/2010/main" val="2438399874"/>
       </p:ext>
     </p:extLst>
   </p:cSld>
@@ -10899,6 +10182,29 @@
       </p:grpSpPr>
       <p:sp>
         <p:nvSpPr>
+          <p:cNvPr id="2" name="Title 1"/>
+          <p:cNvSpPr>
+            <a:spLocks noGrp="1"/>
+          </p:cNvSpPr>
+          <p:nvPr>
+            <p:ph type="title"/>
+          </p:nvPr>
+        </p:nvSpPr>
+        <p:spPr/>
+        <p:txBody>
+          <a:bodyPr/>
+          <a:lstStyle/>
+          <a:p>
+            <a:r>
+              <a:rPr lang="en-US" b="1" dirty="0"/>
+              <a:t>The scale() Method</a:t>
+            </a:r>
+            <a:endParaRPr lang="en-US" dirty="0"/>
+          </a:p>
+        </p:txBody>
+      </p:sp>
+      <p:sp>
+        <p:nvSpPr>
           <p:cNvPr id="3" name="Content Placeholder 2"/>
           <p:cNvSpPr>
             <a:spLocks noGrp="1"/>
@@ -10909,208 +10215,107 @@
         </p:nvSpPr>
         <p:spPr>
           <a:xfrm>
-            <a:off x="677334" y="1"/>
-            <a:ext cx="8596668" cy="6041362"/>
+            <a:off x="270164" y="1257301"/>
+            <a:ext cx="9003838" cy="4784062"/>
           </a:xfrm>
         </p:spPr>
         <p:txBody>
           <a:bodyPr>
-            <a:normAutofit/>
+            <a:normAutofit fontScale="92500" lnSpcReduction="20000"/>
           </a:bodyPr>
           <a:lstStyle/>
           <a:p>
             <a:r>
               <a:rPr lang="en-US" dirty="0"/>
-              <a:t>&lt;body&gt;</a:t>
-            </a:r>
-          </a:p>
-          <a:p>
-            <a:endParaRPr lang="en-US" dirty="0"/>
-          </a:p>
-          <a:p>
-            <a:r>
-              <a:rPr lang="en-US" dirty="0"/>
-              <a:t>&lt;</a:t>
+              <a:t>The scale() method increases or decreases the size of an element (according to the parameters given for the width and height).</a:t>
+            </a:r>
+          </a:p>
+          <a:p>
+            <a:endParaRPr lang="en-US" dirty="0"/>
+          </a:p>
+          <a:p>
+            <a:r>
+              <a:rPr lang="en-US" dirty="0"/>
+              <a:t>The following example increases the &lt;div&gt; element to be two times of its original width, and three times of its original height: </a:t>
+            </a:r>
+          </a:p>
+          <a:p>
+            <a:endParaRPr lang="en-US" dirty="0"/>
+          </a:p>
+          <a:p>
+            <a:endParaRPr lang="en-US" dirty="0"/>
+          </a:p>
+          <a:p>
+            <a:r>
+              <a:rPr lang="en-US" dirty="0"/>
+              <a:t>Example</a:t>
+            </a:r>
+          </a:p>
+          <a:p>
+            <a:endParaRPr lang="en-US" dirty="0"/>
+          </a:p>
+          <a:p>
+            <a:r>
+              <a:rPr lang="en-US" dirty="0"/>
+              <a:t> div {</a:t>
+            </a:r>
+          </a:p>
+          <a:p>
+            <a:r>
+              <a:rPr lang="en-US" dirty="0"/>
+              <a:t>     -</a:t>
             </a:r>
             <a:r>
               <a:rPr lang="en-US" dirty="0" err="1"/>
-              <a:t>ul</a:t>
-            </a:r>
-            <a:r>
-              <a:rPr lang="en-US" dirty="0"/>
-              <a:t>&gt;</a:t>
-            </a:r>
-          </a:p>
-          <a:p>
-            <a:r>
-              <a:rPr lang="en-US" dirty="0"/>
-              <a:t>  &lt;</a:t>
+              <a:t>ms</a:t>
+            </a:r>
+            <a:r>
+              <a:rPr lang="en-US" dirty="0"/>
+              <a:t>-transform: scale(2, 3); /* IE 9 */</a:t>
+            </a:r>
+          </a:p>
+          <a:p>
+            <a:r>
+              <a:rPr lang="en-US" dirty="0"/>
+              <a:t>     -</a:t>
             </a:r>
             <a:r>
               <a:rPr lang="en-US" dirty="0" err="1"/>
-              <a:t>li</a:t>
-            </a:r>
-            <a:r>
-              <a:rPr lang="en-US" dirty="0"/>
-              <a:t>&gt;&lt;a </a:t>
-            </a:r>
-            <a:r>
-              <a:rPr lang="en-US" dirty="0" err="1"/>
-              <a:t>href</a:t>
-            </a:r>
-            <a:r>
-              <a:rPr lang="en-US" dirty="0"/>
-              <a:t>="#home"&gt;Home&lt;/a&gt;&lt;/</a:t>
-            </a:r>
-            <a:r>
-              <a:rPr lang="en-US" dirty="0" err="1"/>
-              <a:t>li</a:t>
-            </a:r>
-            <a:r>
-              <a:rPr lang="en-US" dirty="0"/>
-              <a:t>&gt;</a:t>
-            </a:r>
-          </a:p>
-          <a:p>
-            <a:r>
-              <a:rPr lang="en-US" dirty="0"/>
-              <a:t>  &lt;</a:t>
-            </a:r>
-            <a:r>
-              <a:rPr lang="en-US" dirty="0" err="1"/>
-              <a:t>li</a:t>
-            </a:r>
-            <a:r>
-              <a:rPr lang="en-US" dirty="0"/>
-              <a:t>&gt;&lt;a </a:t>
-            </a:r>
-            <a:r>
-              <a:rPr lang="en-US" dirty="0" err="1"/>
-              <a:t>href</a:t>
-            </a:r>
-            <a:r>
-              <a:rPr lang="en-US" dirty="0"/>
-              <a:t>="#news"&gt;News&lt;/a&gt;&lt;/</a:t>
-            </a:r>
-            <a:r>
-              <a:rPr lang="en-US" dirty="0" err="1"/>
-              <a:t>li</a:t>
-            </a:r>
-            <a:r>
-              <a:rPr lang="en-US" dirty="0"/>
-              <a:t>&gt;</a:t>
-            </a:r>
-          </a:p>
-          <a:p>
-            <a:r>
-              <a:rPr lang="en-US" dirty="0"/>
-              <a:t>  &lt;</a:t>
-            </a:r>
-            <a:r>
-              <a:rPr lang="en-US" dirty="0" err="1"/>
-              <a:t>li</a:t>
-            </a:r>
-            <a:r>
-              <a:rPr lang="en-US" dirty="0"/>
-              <a:t>&gt;&lt;a </a:t>
-            </a:r>
-            <a:r>
-              <a:rPr lang="en-US" dirty="0" err="1"/>
-              <a:t>href</a:t>
-            </a:r>
-            <a:r>
-              <a:rPr lang="en-US" dirty="0"/>
-              <a:t>="#contact"&gt;Contact&lt;/a&gt;&lt;/</a:t>
-            </a:r>
-            <a:r>
-              <a:rPr lang="en-US" dirty="0" err="1"/>
-              <a:t>li</a:t>
-            </a:r>
-            <a:r>
-              <a:rPr lang="en-US" dirty="0"/>
-              <a:t>&gt;</a:t>
-            </a:r>
-          </a:p>
-          <a:p>
-            <a:r>
-              <a:rPr lang="en-US" dirty="0"/>
-              <a:t>  &lt;</a:t>
-            </a:r>
-            <a:r>
-              <a:rPr lang="en-US" dirty="0" err="1"/>
-              <a:t>li</a:t>
-            </a:r>
-            <a:r>
-              <a:rPr lang="en-US" dirty="0"/>
-              <a:t>&gt;&lt;a </a:t>
-            </a:r>
-            <a:r>
-              <a:rPr lang="en-US" dirty="0" err="1"/>
-              <a:t>href</a:t>
-            </a:r>
-            <a:r>
-              <a:rPr lang="en-US" dirty="0"/>
-              <a:t>="#about"&gt;About&lt;/a&gt;&lt;/</a:t>
-            </a:r>
-            <a:r>
-              <a:rPr lang="en-US" dirty="0" err="1"/>
-              <a:t>li</a:t>
-            </a:r>
-            <a:r>
-              <a:rPr lang="en-US" dirty="0"/>
-              <a:t>&gt;</a:t>
-            </a:r>
-          </a:p>
-          <a:p>
-            <a:r>
-              <a:rPr lang="en-US" dirty="0"/>
-              <a:t>&lt;/</a:t>
-            </a:r>
-            <a:r>
-              <a:rPr lang="en-US" dirty="0" err="1"/>
-              <a:t>ul</a:t>
-            </a:r>
-            <a:r>
-              <a:rPr lang="en-US" dirty="0"/>
-              <a:t>&gt;</a:t>
-            </a:r>
-          </a:p>
-          <a:p>
-            <a:endParaRPr lang="en-US" dirty="0"/>
-          </a:p>
-          <a:p>
-            <a:r>
-              <a:rPr lang="en-US" dirty="0"/>
-              <a:t>&lt;p&gt;A background color is added to the links to show the link area.&lt;/p&gt;</a:t>
-            </a:r>
-          </a:p>
-          <a:p>
-            <a:r>
-              <a:rPr lang="en-US" dirty="0"/>
-              <a:t>&lt;p&gt;Notice that the whole link area is clickable, not just the text.&lt;/p&gt;</a:t>
-            </a:r>
-          </a:p>
-          <a:p>
-            <a:endParaRPr lang="en-US" dirty="0"/>
-          </a:p>
-          <a:p>
-            <a:r>
-              <a:rPr lang="en-US" dirty="0"/>
-              <a:t>&lt;/body&gt;</a:t>
-            </a:r>
-          </a:p>
-          <a:p>
-            <a:r>
-              <a:rPr lang="en-US" dirty="0"/>
-              <a:t>&lt;/html&gt;</a:t>
-            </a:r>
-          </a:p>
-          <a:p>
-            <a:endParaRPr lang="en-IN" dirty="0"/>
+              <a:t>webkit</a:t>
+            </a:r>
+            <a:r>
+              <a:rPr lang="en-US" dirty="0"/>
+              <a:t>-transform: scale(2, 3); /* Safari */</a:t>
+            </a:r>
+          </a:p>
+          <a:p>
+            <a:r>
+              <a:rPr lang="en-US" dirty="0"/>
+              <a:t>     </a:t>
+            </a:r>
+            <a:r>
+              <a:rPr lang="en-US" sz="3000" dirty="0">
+                <a:solidFill>
+                  <a:srgbClr val="FF0000"/>
+                </a:solidFill>
+              </a:rPr>
+              <a:t>transform: scale(2, 3);</a:t>
+            </a:r>
+          </a:p>
+          <a:p>
+            <a:r>
+              <a:rPr lang="en-US" dirty="0"/>
+              <a:t>} </a:t>
+            </a:r>
           </a:p>
         </p:txBody>
       </p:sp>
     </p:spTree>
+    <p:extLst>
+      <p:ext uri="{BB962C8B-B14F-4D97-AF65-F5344CB8AC3E}">
+        <p14:creationId xmlns:p14="http://schemas.microsoft.com/office/powerpoint/2010/main" val="2516802672"/>
+      </p:ext>
+    </p:extLst>
   </p:cSld>
   <p:clrMapOvr>
     <a:masterClrMapping/>
@@ -11376,15 +10581,6 @@
 </file>
 
 <file path=customXml/item1.xml><?xml version="1.0" encoding="utf-8"?>
-<?mso-contentType ?>
-<FormTemplates xmlns="http://schemas.microsoft.com/sharepoint/v3/contenttype/forms">
-  <Display>DocumentLibraryForm</Display>
-  <Edit>DocumentLibraryForm</Edit>
-  <New>DocumentLibraryForm</New>
-</FormTemplates>
-</file>
-
-<file path=customXml/item2.xml><?xml version="1.0" encoding="utf-8"?>
 <ct:contentTypeSchema xmlns:ct="http://schemas.microsoft.com/office/2006/metadata/contentType" xmlns:ma="http://schemas.microsoft.com/office/2006/metadata/properties/metaAttributes" ct:_="" ma:_="" ma:contentTypeName="Document" ma:contentTypeID="0x0101006A92F1126E650D428AAF4DCCFBB26E19" ma:contentTypeVersion="10" ma:contentTypeDescription="Create a new document." ma:contentTypeScope="" ma:versionID="438d5016957f0024ea938721b01b1799">
   <xsd:schema xmlns:xsd="http://www.w3.org/2001/XMLSchema" xmlns:xs="http://www.w3.org/2001/XMLSchema" xmlns:p="http://schemas.microsoft.com/office/2006/metadata/properties" xmlns:ns2="28a4c2e2-19fe-42a5-bd58-72eddb65ae70" targetNamespace="http://schemas.microsoft.com/office/2006/metadata/properties" ma:root="true" ma:fieldsID="12efb783438c67dbb33cebe90a576f7f" ns2:_="">
     <xsd:import namespace="28a4c2e2-19fe-42a5-bd58-72eddb65ae70"/>
@@ -11568,6 +10764,15 @@
 </ct:contentTypeSchema>
 </file>
 
+<file path=customXml/item2.xml><?xml version="1.0" encoding="utf-8"?>
+<?mso-contentType ?>
+<FormTemplates xmlns="http://schemas.microsoft.com/sharepoint/v3/contenttype/forms">
+  <Display>DocumentLibraryForm</Display>
+  <Edit>DocumentLibraryForm</Edit>
+  <New>DocumentLibraryForm</New>
+</FormTemplates>
+</file>
+
 <file path=customXml/item3.xml><?xml version="1.0" encoding="utf-8"?>
 <p:properties xmlns:p="http://schemas.microsoft.com/office/2006/metadata/properties" xmlns:xsi="http://www.w3.org/2001/XMLSchema-instance" xmlns:pc="http://schemas.microsoft.com/office/infopath/2007/PartnerControls">
   <documentManagement/>
@@ -11575,14 +10780,6 @@
 </file>
 
 <file path=customXml/itemProps1.xml><?xml version="1.0" encoding="utf-8"?>
-<ds:datastoreItem xmlns:ds="http://schemas.openxmlformats.org/officeDocument/2006/customXml" ds:itemID="{BA50AA6A-3D27-476A-8E09-5F6D2F5764D8}">
-  <ds:schemaRefs>
-    <ds:schemaRef ds:uri="http://schemas.microsoft.com/sharepoint/v3/contenttype/forms"/>
-  </ds:schemaRefs>
-</ds:datastoreItem>
-</file>
-
-<file path=customXml/itemProps2.xml><?xml version="1.0" encoding="utf-8"?>
 <ds:datastoreItem xmlns:ds="http://schemas.openxmlformats.org/officeDocument/2006/customXml" ds:itemID="{7DA3C23B-9073-43E3-A33C-2CA10B580D2A}">
   <ds:schemaRefs>
     <ds:schemaRef ds:uri="http://schemas.microsoft.com/office/2006/metadata/contentType"/>
@@ -11600,6 +10797,14 @@
 </ds:datastoreItem>
 </file>
 
+<file path=customXml/itemProps2.xml><?xml version="1.0" encoding="utf-8"?>
+<ds:datastoreItem xmlns:ds="http://schemas.openxmlformats.org/officeDocument/2006/customXml" ds:itemID="{BA50AA6A-3D27-476A-8E09-5F6D2F5764D8}">
+  <ds:schemaRefs>
+    <ds:schemaRef ds:uri="http://schemas.microsoft.com/sharepoint/v3/contenttype/forms"/>
+  </ds:schemaRefs>
+</ds:datastoreItem>
+</file>
+
 <file path=customXml/itemProps3.xml><?xml version="1.0" encoding="utf-8"?>
 <ds:datastoreItem xmlns:ds="http://schemas.openxmlformats.org/officeDocument/2006/customXml" ds:itemID="{98E5A5FE-66B0-4B7D-BA7C-90BC222A9437}">
   <ds:schemaRefs>
